--- a/VpKArcitecture.pptx
+++ b/VpKArcitecture.pptx
@@ -3397,7 +3397,7 @@
         </p:blipFill>
         <p:spPr>
           <a:xfrm>
-            <a:off x="4988119" y="3588373"/>
+            <a:off x="4635781" y="3649333"/>
             <a:ext cx="3231184" cy="1123890"/>
           </a:xfrm>
           <a:prstGeom prst="rect">
@@ -3432,8 +3432,8 @@
         </p:blipFill>
         <p:spPr>
           <a:xfrm>
-            <a:off x="687914" y="3303588"/>
-            <a:ext cx="3238089" cy="1821425"/>
+            <a:off x="721453" y="3419976"/>
+            <a:ext cx="2852212" cy="1604369"/>
           </a:xfrm>
           <a:prstGeom prst="rect">
             <a:avLst/>
@@ -3750,7 +3750,7 @@
         </p:blipFill>
         <p:spPr>
           <a:xfrm>
-            <a:off x="1417958" y="1687466"/>
+            <a:off x="1365416" y="1713996"/>
             <a:ext cx="1778000" cy="1778000"/>
           </a:xfrm>
           <a:prstGeom prst="rect">
@@ -3780,7 +3780,7 @@
         </p:blipFill>
         <p:spPr>
           <a:xfrm>
-            <a:off x="5785455" y="1962355"/>
+            <a:off x="5433117" y="1962355"/>
             <a:ext cx="1228222" cy="1228222"/>
           </a:xfrm>
           <a:prstGeom prst="rect">
@@ -3804,7 +3804,7 @@
         </p:nvCxnSpPr>
         <p:spPr>
           <a:xfrm>
-            <a:off x="4473677" y="1789471"/>
+            <a:off x="4121339" y="1789471"/>
             <a:ext cx="0" cy="3793318"/>
           </a:xfrm>
           <a:prstGeom prst="line">
@@ -3842,7 +3842,7 @@
         </p:nvCxnSpPr>
         <p:spPr>
           <a:xfrm>
-            <a:off x="8716296" y="1789471"/>
+            <a:off x="8414292" y="1789471"/>
             <a:ext cx="0" cy="3793318"/>
           </a:xfrm>
           <a:prstGeom prst="line">
@@ -3880,7 +3880,7 @@
         </p:nvSpPr>
         <p:spPr>
           <a:xfrm>
-            <a:off x="1004627" y="5263591"/>
+            <a:off x="652289" y="5263591"/>
             <a:ext cx="2508206" cy="957594"/>
           </a:xfrm>
           <a:prstGeom prst="rect">
@@ -3938,7 +3938,7 @@
         </p:nvSpPr>
         <p:spPr>
           <a:xfrm>
-            <a:off x="5340884" y="5263591"/>
+            <a:off x="4988546" y="5263591"/>
             <a:ext cx="2508206" cy="654352"/>
           </a:xfrm>
           <a:prstGeom prst="rect">
@@ -4038,6 +4038,143 @@
           </a:p>
         </p:txBody>
       </p:sp>
+      <p:cxnSp>
+        <p:nvCxnSpPr>
+          <p:cNvPr id="32" name="Straight Arrow Connector 31">
+            <a:extLst>
+              <a:ext uri="{FF2B5EF4-FFF2-40B4-BE49-F238E27FC236}">
+                <a16:creationId xmlns:a16="http://schemas.microsoft.com/office/drawing/2014/main" id="{E97FE135-0BF4-144A-9014-3912721D75BE}"/>
+              </a:ext>
+            </a:extLst>
+          </p:cNvPr>
+          <p:cNvCxnSpPr>
+            <a:cxnSpLocks/>
+            <a:stCxn id="6" idx="3"/>
+            <a:endCxn id="5" idx="1"/>
+          </p:cNvCxnSpPr>
+          <p:nvPr/>
+        </p:nvCxnSpPr>
+        <p:spPr>
+          <a:xfrm flipV="1">
+            <a:off x="3573665" y="4211278"/>
+            <a:ext cx="1062116" cy="10883"/>
+          </a:xfrm>
+          <a:prstGeom prst="straightConnector1">
+            <a:avLst/>
+          </a:prstGeom>
+          <a:ln w="50800">
+            <a:solidFill>
+              <a:srgbClr val="00B050"/>
+            </a:solidFill>
+            <a:headEnd type="triangle"/>
+            <a:tailEnd type="triangle"/>
+          </a:ln>
+        </p:spPr>
+        <p:style>
+          <a:lnRef idx="1">
+            <a:schemeClr val="accent1"/>
+          </a:lnRef>
+          <a:fillRef idx="0">
+            <a:schemeClr val="accent1"/>
+          </a:fillRef>
+          <a:effectRef idx="0">
+            <a:schemeClr val="accent1"/>
+          </a:effectRef>
+          <a:fontRef idx="minor">
+            <a:schemeClr val="tx1"/>
+          </a:fontRef>
+        </p:style>
+      </p:cxnSp>
+      <p:cxnSp>
+        <p:nvCxnSpPr>
+          <p:cNvPr id="33" name="Straight Arrow Connector 32">
+            <a:extLst>
+              <a:ext uri="{FF2B5EF4-FFF2-40B4-BE49-F238E27FC236}">
+                <a16:creationId xmlns:a16="http://schemas.microsoft.com/office/drawing/2014/main" id="{E598BB8E-A9DA-1B48-9416-014BC5C3022D}"/>
+              </a:ext>
+            </a:extLst>
+          </p:cNvPr>
+          <p:cNvCxnSpPr>
+            <a:cxnSpLocks/>
+          </p:cNvCxnSpPr>
+          <p:nvPr/>
+        </p:nvCxnSpPr>
+        <p:spPr>
+          <a:xfrm flipV="1">
+            <a:off x="7864848" y="3045204"/>
+            <a:ext cx="1827689" cy="908459"/>
+          </a:xfrm>
+          <a:prstGeom prst="straightConnector1">
+            <a:avLst/>
+          </a:prstGeom>
+          <a:ln w="50800">
+            <a:solidFill>
+              <a:srgbClr val="00B050"/>
+            </a:solidFill>
+            <a:headEnd type="triangle"/>
+            <a:tailEnd type="triangle"/>
+          </a:ln>
+        </p:spPr>
+        <p:style>
+          <a:lnRef idx="1">
+            <a:schemeClr val="accent1"/>
+          </a:lnRef>
+          <a:fillRef idx="0">
+            <a:schemeClr val="accent1"/>
+          </a:fillRef>
+          <a:effectRef idx="0">
+            <a:schemeClr val="accent1"/>
+          </a:effectRef>
+          <a:fontRef idx="minor">
+            <a:schemeClr val="tx1"/>
+          </a:fontRef>
+        </p:style>
+      </p:cxnSp>
+      <p:cxnSp>
+        <p:nvCxnSpPr>
+          <p:cNvPr id="35" name="Straight Arrow Connector 34">
+            <a:extLst>
+              <a:ext uri="{FF2B5EF4-FFF2-40B4-BE49-F238E27FC236}">
+                <a16:creationId xmlns:a16="http://schemas.microsoft.com/office/drawing/2014/main" id="{35AA9AE0-9703-3B46-A930-DF0B61A718F2}"/>
+              </a:ext>
+            </a:extLst>
+          </p:cNvPr>
+          <p:cNvCxnSpPr>
+            <a:cxnSpLocks/>
+          </p:cNvCxnSpPr>
+          <p:nvPr/>
+        </p:nvCxnSpPr>
+        <p:spPr>
+          <a:xfrm>
+            <a:off x="7896355" y="4216719"/>
+            <a:ext cx="1767951" cy="421137"/>
+          </a:xfrm>
+          <a:prstGeom prst="straightConnector1">
+            <a:avLst/>
+          </a:prstGeom>
+          <a:ln w="50800">
+            <a:solidFill>
+              <a:srgbClr val="00B050"/>
+            </a:solidFill>
+            <a:headEnd type="triangle"/>
+            <a:tailEnd type="triangle"/>
+          </a:ln>
+        </p:spPr>
+        <p:style>
+          <a:lnRef idx="1">
+            <a:schemeClr val="accent1"/>
+          </a:lnRef>
+          <a:fillRef idx="0">
+            <a:schemeClr val="accent1"/>
+          </a:fillRef>
+          <a:effectRef idx="0">
+            <a:schemeClr val="accent1"/>
+          </a:effectRef>
+          <a:fontRef idx="minor">
+            <a:schemeClr val="tx1"/>
+          </a:fontRef>
+        </p:style>
+      </p:cxnSp>
     </p:spTree>
     <p:extLst>
       <p:ext uri="{BB962C8B-B14F-4D97-AF65-F5344CB8AC3E}">

--- a/VpKArcitecture.pptx
+++ b/VpKArcitecture.pptx
@@ -4,8 +4,16 @@
   <p:sldMasterIdLst>
     <p:sldMasterId id="2147483648" r:id="rId1"/>
   </p:sldMasterIdLst>
+  <p:notesMasterIdLst>
+    <p:notesMasterId r:id="rId8"/>
+  </p:notesMasterIdLst>
   <p:sldIdLst>
-    <p:sldId id="256" r:id="rId2"/>
+    <p:sldId id="266" r:id="rId2"/>
+    <p:sldId id="261" r:id="rId3"/>
+    <p:sldId id="256" r:id="rId4"/>
+    <p:sldId id="258" r:id="rId5"/>
+    <p:sldId id="259" r:id="rId6"/>
+    <p:sldId id="267" r:id="rId7"/>
   </p:sldIdLst>
   <p:sldSz cx="12192000" cy="6858000"/>
   <p:notesSz cx="6858000" cy="9144000"/>
@@ -104,7 +112,445 @@
       </a:defRPr>
     </a:lvl9pPr>
   </p:defaultTextStyle>
+  <p:extLst>
+    <p:ext uri="{EFAFB233-063F-42B5-8137-9DF3F51BA10A}">
+      <p15:sldGuideLst xmlns:p15="http://schemas.microsoft.com/office/powerpoint/2012/main"/>
+    </p:ext>
+  </p:extLst>
 </p:presentation>
+</file>
+
+<file path=ppt/notesMasters/notesMaster1.xml><?xml version="1.0" encoding="utf-8"?>
+<p:notesMaster xmlns:a="http://schemas.openxmlformats.org/drawingml/2006/main" xmlns:r="http://schemas.openxmlformats.org/officeDocument/2006/relationships" xmlns:p="http://schemas.openxmlformats.org/presentationml/2006/main">
+  <p:cSld>
+    <p:bg>
+      <p:bgRef idx="1001">
+        <a:schemeClr val="bg1"/>
+      </p:bgRef>
+    </p:bg>
+    <p:spTree>
+      <p:nvGrpSpPr>
+        <p:cNvPr id="1" name=""/>
+        <p:cNvGrpSpPr/>
+        <p:nvPr/>
+      </p:nvGrpSpPr>
+      <p:grpSpPr>
+        <a:xfrm>
+          <a:off x="0" y="0"/>
+          <a:ext cx="0" cy="0"/>
+          <a:chOff x="0" y="0"/>
+          <a:chExt cx="0" cy="0"/>
+        </a:xfrm>
+      </p:grpSpPr>
+      <p:sp>
+        <p:nvSpPr>
+          <p:cNvPr id="2" name="Header Placeholder 1"/>
+          <p:cNvSpPr>
+            <a:spLocks noGrp="1"/>
+          </p:cNvSpPr>
+          <p:nvPr>
+            <p:ph type="hdr" sz="quarter"/>
+          </p:nvPr>
+        </p:nvSpPr>
+        <p:spPr>
+          <a:xfrm>
+            <a:off x="0" y="0"/>
+            <a:ext cx="2971800" cy="458788"/>
+          </a:xfrm>
+          <a:prstGeom prst="rect">
+            <a:avLst/>
+          </a:prstGeom>
+        </p:spPr>
+        <p:txBody>
+          <a:bodyPr vert="horz" lIns="91440" tIns="45720" rIns="91440" bIns="45720" rtlCol="0"/>
+          <a:lstStyle>
+            <a:lvl1pPr algn="l">
+              <a:defRPr sz="1200"/>
+            </a:lvl1pPr>
+          </a:lstStyle>
+          <a:p>
+            <a:endParaRPr lang="en-US"/>
+          </a:p>
+        </p:txBody>
+      </p:sp>
+      <p:sp>
+        <p:nvSpPr>
+          <p:cNvPr id="3" name="Date Placeholder 2"/>
+          <p:cNvSpPr>
+            <a:spLocks noGrp="1"/>
+          </p:cNvSpPr>
+          <p:nvPr>
+            <p:ph type="dt" idx="1"/>
+          </p:nvPr>
+        </p:nvSpPr>
+        <p:spPr>
+          <a:xfrm>
+            <a:off x="3884613" y="0"/>
+            <a:ext cx="2971800" cy="458788"/>
+          </a:xfrm>
+          <a:prstGeom prst="rect">
+            <a:avLst/>
+          </a:prstGeom>
+        </p:spPr>
+        <p:txBody>
+          <a:bodyPr vert="horz" lIns="91440" tIns="45720" rIns="91440" bIns="45720" rtlCol="0"/>
+          <a:lstStyle>
+            <a:lvl1pPr algn="r">
+              <a:defRPr sz="1200"/>
+            </a:lvl1pPr>
+          </a:lstStyle>
+          <a:p>
+            <a:fld id="{A9242EB4-DF1F-5A40-8335-DD5878AF9029}" type="datetimeFigureOut">
+              <a:rPr lang="en-US" smtClean="0"/>
+              <a:t>7/9/18</a:t>
+            </a:fld>
+            <a:endParaRPr lang="en-US"/>
+          </a:p>
+        </p:txBody>
+      </p:sp>
+      <p:sp>
+        <p:nvSpPr>
+          <p:cNvPr id="4" name="Slide Image Placeholder 3"/>
+          <p:cNvSpPr>
+            <a:spLocks noGrp="1" noRot="1" noChangeAspect="1"/>
+          </p:cNvSpPr>
+          <p:nvPr>
+            <p:ph type="sldImg" idx="2"/>
+          </p:nvPr>
+        </p:nvSpPr>
+        <p:spPr>
+          <a:xfrm>
+            <a:off x="685800" y="1143000"/>
+            <a:ext cx="5486400" cy="3086100"/>
+          </a:xfrm>
+          <a:prstGeom prst="rect">
+            <a:avLst/>
+          </a:prstGeom>
+          <a:noFill/>
+          <a:ln w="12700">
+            <a:solidFill>
+              <a:prstClr val="black"/>
+            </a:solidFill>
+          </a:ln>
+        </p:spPr>
+        <p:txBody>
+          <a:bodyPr vert="horz" lIns="91440" tIns="45720" rIns="91440" bIns="45720" rtlCol="0" anchor="ctr"/>
+          <a:lstStyle/>
+          <a:p>
+            <a:endParaRPr lang="en-US"/>
+          </a:p>
+        </p:txBody>
+      </p:sp>
+      <p:sp>
+        <p:nvSpPr>
+          <p:cNvPr id="5" name="Notes Placeholder 4"/>
+          <p:cNvSpPr>
+            <a:spLocks noGrp="1"/>
+          </p:cNvSpPr>
+          <p:nvPr>
+            <p:ph type="body" sz="quarter" idx="3"/>
+          </p:nvPr>
+        </p:nvSpPr>
+        <p:spPr>
+          <a:xfrm>
+            <a:off x="685800" y="4400550"/>
+            <a:ext cx="5486400" cy="3600450"/>
+          </a:xfrm>
+          <a:prstGeom prst="rect">
+            <a:avLst/>
+          </a:prstGeom>
+        </p:spPr>
+        <p:txBody>
+          <a:bodyPr vert="horz" lIns="91440" tIns="45720" rIns="91440" bIns="45720" rtlCol="0"/>
+          <a:lstStyle/>
+          <a:p>
+            <a:pPr lvl="0"/>
+            <a:r>
+              <a:rPr lang="en-US"/>
+              <a:t>Edit Master text styles</a:t>
+            </a:r>
+          </a:p>
+          <a:p>
+            <a:pPr lvl="1"/>
+            <a:r>
+              <a:rPr lang="en-US"/>
+              <a:t>Second level</a:t>
+            </a:r>
+          </a:p>
+          <a:p>
+            <a:pPr lvl="2"/>
+            <a:r>
+              <a:rPr lang="en-US"/>
+              <a:t>Third level</a:t>
+            </a:r>
+          </a:p>
+          <a:p>
+            <a:pPr lvl="3"/>
+            <a:r>
+              <a:rPr lang="en-US"/>
+              <a:t>Fourth level</a:t>
+            </a:r>
+          </a:p>
+          <a:p>
+            <a:pPr lvl="4"/>
+            <a:r>
+              <a:rPr lang="en-US"/>
+              <a:t>Fifth level</a:t>
+            </a:r>
+          </a:p>
+        </p:txBody>
+      </p:sp>
+      <p:sp>
+        <p:nvSpPr>
+          <p:cNvPr id="6" name="Footer Placeholder 5"/>
+          <p:cNvSpPr>
+            <a:spLocks noGrp="1"/>
+          </p:cNvSpPr>
+          <p:nvPr>
+            <p:ph type="ftr" sz="quarter" idx="4"/>
+          </p:nvPr>
+        </p:nvSpPr>
+        <p:spPr>
+          <a:xfrm>
+            <a:off x="0" y="8685213"/>
+            <a:ext cx="2971800" cy="458787"/>
+          </a:xfrm>
+          <a:prstGeom prst="rect">
+            <a:avLst/>
+          </a:prstGeom>
+        </p:spPr>
+        <p:txBody>
+          <a:bodyPr vert="horz" lIns="91440" tIns="45720" rIns="91440" bIns="45720" rtlCol="0" anchor="b"/>
+          <a:lstStyle>
+            <a:lvl1pPr algn="l">
+              <a:defRPr sz="1200"/>
+            </a:lvl1pPr>
+          </a:lstStyle>
+          <a:p>
+            <a:endParaRPr lang="en-US"/>
+          </a:p>
+        </p:txBody>
+      </p:sp>
+      <p:sp>
+        <p:nvSpPr>
+          <p:cNvPr id="7" name="Slide Number Placeholder 6"/>
+          <p:cNvSpPr>
+            <a:spLocks noGrp="1"/>
+          </p:cNvSpPr>
+          <p:nvPr>
+            <p:ph type="sldNum" sz="quarter" idx="5"/>
+          </p:nvPr>
+        </p:nvSpPr>
+        <p:spPr>
+          <a:xfrm>
+            <a:off x="3884613" y="8685213"/>
+            <a:ext cx="2971800" cy="458787"/>
+          </a:xfrm>
+          <a:prstGeom prst="rect">
+            <a:avLst/>
+          </a:prstGeom>
+        </p:spPr>
+        <p:txBody>
+          <a:bodyPr vert="horz" lIns="91440" tIns="45720" rIns="91440" bIns="45720" rtlCol="0" anchor="b"/>
+          <a:lstStyle>
+            <a:lvl1pPr algn="r">
+              <a:defRPr sz="1200"/>
+            </a:lvl1pPr>
+          </a:lstStyle>
+          <a:p>
+            <a:fld id="{1317E29F-2933-B74F-A9AE-F122D36B9364}" type="slidenum">
+              <a:rPr lang="en-US" smtClean="0"/>
+              <a:t>‹#›</a:t>
+            </a:fld>
+            <a:endParaRPr lang="en-US"/>
+          </a:p>
+        </p:txBody>
+      </p:sp>
+    </p:spTree>
+    <p:extLst>
+      <p:ext uri="{BB962C8B-B14F-4D97-AF65-F5344CB8AC3E}">
+        <p14:creationId xmlns:p14="http://schemas.microsoft.com/office/powerpoint/2010/main" val="1835205717"/>
+      </p:ext>
+    </p:extLst>
+  </p:cSld>
+  <p:clrMap bg1="lt1" tx1="dk1" bg2="lt2" tx2="dk2" accent1="accent1" accent2="accent2" accent3="accent3" accent4="accent4" accent5="accent5" accent6="accent6" hlink="hlink" folHlink="folHlink"/>
+  <p:notesStyle>
+    <a:lvl1pPr marL="0" algn="l" defTabSz="914400" rtl="0" eaLnBrk="1" latinLnBrk="0" hangingPunct="1">
+      <a:defRPr sz="1200" kern="1200">
+        <a:solidFill>
+          <a:schemeClr val="tx1"/>
+        </a:solidFill>
+        <a:latin typeface="+mn-lt"/>
+        <a:ea typeface="+mn-ea"/>
+        <a:cs typeface="+mn-cs"/>
+      </a:defRPr>
+    </a:lvl1pPr>
+    <a:lvl2pPr marL="457200" algn="l" defTabSz="914400" rtl="0" eaLnBrk="1" latinLnBrk="0" hangingPunct="1">
+      <a:defRPr sz="1200" kern="1200">
+        <a:solidFill>
+          <a:schemeClr val="tx1"/>
+        </a:solidFill>
+        <a:latin typeface="+mn-lt"/>
+        <a:ea typeface="+mn-ea"/>
+        <a:cs typeface="+mn-cs"/>
+      </a:defRPr>
+    </a:lvl2pPr>
+    <a:lvl3pPr marL="914400" algn="l" defTabSz="914400" rtl="0" eaLnBrk="1" latinLnBrk="0" hangingPunct="1">
+      <a:defRPr sz="1200" kern="1200">
+        <a:solidFill>
+          <a:schemeClr val="tx1"/>
+        </a:solidFill>
+        <a:latin typeface="+mn-lt"/>
+        <a:ea typeface="+mn-ea"/>
+        <a:cs typeface="+mn-cs"/>
+      </a:defRPr>
+    </a:lvl3pPr>
+    <a:lvl4pPr marL="1371600" algn="l" defTabSz="914400" rtl="0" eaLnBrk="1" latinLnBrk="0" hangingPunct="1">
+      <a:defRPr sz="1200" kern="1200">
+        <a:solidFill>
+          <a:schemeClr val="tx1"/>
+        </a:solidFill>
+        <a:latin typeface="+mn-lt"/>
+        <a:ea typeface="+mn-ea"/>
+        <a:cs typeface="+mn-cs"/>
+      </a:defRPr>
+    </a:lvl4pPr>
+    <a:lvl5pPr marL="1828800" algn="l" defTabSz="914400" rtl="0" eaLnBrk="1" latinLnBrk="0" hangingPunct="1">
+      <a:defRPr sz="1200" kern="1200">
+        <a:solidFill>
+          <a:schemeClr val="tx1"/>
+        </a:solidFill>
+        <a:latin typeface="+mn-lt"/>
+        <a:ea typeface="+mn-ea"/>
+        <a:cs typeface="+mn-cs"/>
+      </a:defRPr>
+    </a:lvl5pPr>
+    <a:lvl6pPr marL="2286000" algn="l" defTabSz="914400" rtl="0" eaLnBrk="1" latinLnBrk="0" hangingPunct="1">
+      <a:defRPr sz="1200" kern="1200">
+        <a:solidFill>
+          <a:schemeClr val="tx1"/>
+        </a:solidFill>
+        <a:latin typeface="+mn-lt"/>
+        <a:ea typeface="+mn-ea"/>
+        <a:cs typeface="+mn-cs"/>
+      </a:defRPr>
+    </a:lvl6pPr>
+    <a:lvl7pPr marL="2743200" algn="l" defTabSz="914400" rtl="0" eaLnBrk="1" latinLnBrk="0" hangingPunct="1">
+      <a:defRPr sz="1200" kern="1200">
+        <a:solidFill>
+          <a:schemeClr val="tx1"/>
+        </a:solidFill>
+        <a:latin typeface="+mn-lt"/>
+        <a:ea typeface="+mn-ea"/>
+        <a:cs typeface="+mn-cs"/>
+      </a:defRPr>
+    </a:lvl7pPr>
+    <a:lvl8pPr marL="3200400" algn="l" defTabSz="914400" rtl="0" eaLnBrk="1" latinLnBrk="0" hangingPunct="1">
+      <a:defRPr sz="1200" kern="1200">
+        <a:solidFill>
+          <a:schemeClr val="tx1"/>
+        </a:solidFill>
+        <a:latin typeface="+mn-lt"/>
+        <a:ea typeface="+mn-ea"/>
+        <a:cs typeface="+mn-cs"/>
+      </a:defRPr>
+    </a:lvl8pPr>
+    <a:lvl9pPr marL="3657600" algn="l" defTabSz="914400" rtl="0" eaLnBrk="1" latinLnBrk="0" hangingPunct="1">
+      <a:defRPr sz="1200" kern="1200">
+        <a:solidFill>
+          <a:schemeClr val="tx1"/>
+        </a:solidFill>
+        <a:latin typeface="+mn-lt"/>
+        <a:ea typeface="+mn-ea"/>
+        <a:cs typeface="+mn-cs"/>
+      </a:defRPr>
+    </a:lvl9pPr>
+  </p:notesStyle>
+</p:notesMaster>
+</file>
+
+<file path=ppt/notesSlides/notesSlide1.xml><?xml version="1.0" encoding="utf-8"?>
+<p:notes xmlns:a="http://schemas.openxmlformats.org/drawingml/2006/main" xmlns:r="http://schemas.openxmlformats.org/officeDocument/2006/relationships" xmlns:p="http://schemas.openxmlformats.org/presentationml/2006/main">
+  <p:cSld>
+    <p:spTree>
+      <p:nvGrpSpPr>
+        <p:cNvPr id="1" name=""/>
+        <p:cNvGrpSpPr/>
+        <p:nvPr/>
+      </p:nvGrpSpPr>
+      <p:grpSpPr>
+        <a:xfrm>
+          <a:off x="0" y="0"/>
+          <a:ext cx="0" cy="0"/>
+          <a:chOff x="0" y="0"/>
+          <a:chExt cx="0" cy="0"/>
+        </a:xfrm>
+      </p:grpSpPr>
+      <p:sp>
+        <p:nvSpPr>
+          <p:cNvPr id="2" name="Slide Image Placeholder 1"/>
+          <p:cNvSpPr>
+            <a:spLocks noGrp="1" noRot="1" noChangeAspect="1"/>
+          </p:cNvSpPr>
+          <p:nvPr>
+            <p:ph type="sldImg"/>
+          </p:nvPr>
+        </p:nvSpPr>
+        <p:spPr/>
+      </p:sp>
+      <p:sp>
+        <p:nvSpPr>
+          <p:cNvPr id="3" name="Notes Placeholder 2"/>
+          <p:cNvSpPr>
+            <a:spLocks noGrp="1"/>
+          </p:cNvSpPr>
+          <p:nvPr>
+            <p:ph type="body" idx="1"/>
+          </p:nvPr>
+        </p:nvSpPr>
+        <p:spPr/>
+        <p:txBody>
+          <a:bodyPr/>
+          <a:lstStyle/>
+          <a:p>
+            <a:endParaRPr lang="en-US" dirty="0"/>
+          </a:p>
+        </p:txBody>
+      </p:sp>
+      <p:sp>
+        <p:nvSpPr>
+          <p:cNvPr id="4" name="Slide Number Placeholder 3"/>
+          <p:cNvSpPr>
+            <a:spLocks noGrp="1"/>
+          </p:cNvSpPr>
+          <p:nvPr>
+            <p:ph type="sldNum" sz="quarter" idx="10"/>
+          </p:nvPr>
+        </p:nvSpPr>
+        <p:spPr/>
+        <p:txBody>
+          <a:bodyPr/>
+          <a:lstStyle/>
+          <a:p>
+            <a:fld id="{1317E29F-2933-B74F-A9AE-F122D36B9364}" type="slidenum">
+              <a:rPr lang="en-US" smtClean="0"/>
+              <a:t>3</a:t>
+            </a:fld>
+            <a:endParaRPr lang="en-US"/>
+          </a:p>
+        </p:txBody>
+      </p:sp>
+    </p:spTree>
+    <p:extLst>
+      <p:ext uri="{BB962C8B-B14F-4D97-AF65-F5344CB8AC3E}">
+        <p14:creationId xmlns:p14="http://schemas.microsoft.com/office/powerpoint/2010/main" val="2047032822"/>
+      </p:ext>
+    </p:extLst>
+  </p:cSld>
+  <p:clrMapOvr>
+    <a:masterClrMapping/>
+  </p:clrMapOvr>
+</p:notes>
 </file>
 
 <file path=ppt/slideLayouts/slideLayout1.xml><?xml version="1.0" encoding="utf-8"?>
@@ -254,7 +700,7 @@
           <a:p>
             <a:fld id="{10D911B3-9469-9E44-9427-81DC1550CCBA}" type="datetimeFigureOut">
               <a:rPr lang="en-US" smtClean="0"/>
-              <a:t>7/7/18</a:t>
+              <a:t>7/9/18</a:t>
             </a:fld>
             <a:endParaRPr lang="en-US"/>
           </a:p>
@@ -452,7 +898,7 @@
           <a:p>
             <a:fld id="{10D911B3-9469-9E44-9427-81DC1550CCBA}" type="datetimeFigureOut">
               <a:rPr lang="en-US" smtClean="0"/>
-              <a:t>7/7/18</a:t>
+              <a:t>7/9/18</a:t>
             </a:fld>
             <a:endParaRPr lang="en-US"/>
           </a:p>
@@ -660,7 +1106,7 @@
           <a:p>
             <a:fld id="{10D911B3-9469-9E44-9427-81DC1550CCBA}" type="datetimeFigureOut">
               <a:rPr lang="en-US" smtClean="0"/>
-              <a:t>7/7/18</a:t>
+              <a:t>7/9/18</a:t>
             </a:fld>
             <a:endParaRPr lang="en-US"/>
           </a:p>
@@ -858,7 +1304,7 @@
           <a:p>
             <a:fld id="{10D911B3-9469-9E44-9427-81DC1550CCBA}" type="datetimeFigureOut">
               <a:rPr lang="en-US" smtClean="0"/>
-              <a:t>7/7/18</a:t>
+              <a:t>7/9/18</a:t>
             </a:fld>
             <a:endParaRPr lang="en-US"/>
           </a:p>
@@ -1133,7 +1579,7 @@
           <a:p>
             <a:fld id="{10D911B3-9469-9E44-9427-81DC1550CCBA}" type="datetimeFigureOut">
               <a:rPr lang="en-US" smtClean="0"/>
-              <a:t>7/7/18</a:t>
+              <a:t>7/9/18</a:t>
             </a:fld>
             <a:endParaRPr lang="en-US"/>
           </a:p>
@@ -1398,7 +1844,7 @@
           <a:p>
             <a:fld id="{10D911B3-9469-9E44-9427-81DC1550CCBA}" type="datetimeFigureOut">
               <a:rPr lang="en-US" smtClean="0"/>
-              <a:t>7/7/18</a:t>
+              <a:t>7/9/18</a:t>
             </a:fld>
             <a:endParaRPr lang="en-US"/>
           </a:p>
@@ -1810,7 +2256,7 @@
           <a:p>
             <a:fld id="{10D911B3-9469-9E44-9427-81DC1550CCBA}" type="datetimeFigureOut">
               <a:rPr lang="en-US" smtClean="0"/>
-              <a:t>7/7/18</a:t>
+              <a:t>7/9/18</a:t>
             </a:fld>
             <a:endParaRPr lang="en-US"/>
           </a:p>
@@ -1951,7 +2397,7 @@
           <a:p>
             <a:fld id="{10D911B3-9469-9E44-9427-81DC1550CCBA}" type="datetimeFigureOut">
               <a:rPr lang="en-US" smtClean="0"/>
-              <a:t>7/7/18</a:t>
+              <a:t>7/9/18</a:t>
             </a:fld>
             <a:endParaRPr lang="en-US"/>
           </a:p>
@@ -2064,7 +2510,7 @@
           <a:p>
             <a:fld id="{10D911B3-9469-9E44-9427-81DC1550CCBA}" type="datetimeFigureOut">
               <a:rPr lang="en-US" smtClean="0"/>
-              <a:t>7/7/18</a:t>
+              <a:t>7/9/18</a:t>
             </a:fld>
             <a:endParaRPr lang="en-US"/>
           </a:p>
@@ -2375,7 +2821,7 @@
           <a:p>
             <a:fld id="{10D911B3-9469-9E44-9427-81DC1550CCBA}" type="datetimeFigureOut">
               <a:rPr lang="en-US" smtClean="0"/>
-              <a:t>7/7/18</a:t>
+              <a:t>7/9/18</a:t>
             </a:fld>
             <a:endParaRPr lang="en-US"/>
           </a:p>
@@ -2663,7 +3109,7 @@
           <a:p>
             <a:fld id="{10D911B3-9469-9E44-9427-81DC1550CCBA}" type="datetimeFigureOut">
               <a:rPr lang="en-US" smtClean="0"/>
-              <a:t>7/7/18</a:t>
+              <a:t>7/9/18</a:t>
             </a:fld>
             <a:endParaRPr lang="en-US"/>
           </a:p>
@@ -2904,7 +3350,7 @@
           <a:p>
             <a:fld id="{10D911B3-9469-9E44-9427-81DC1550CCBA}" type="datetimeFigureOut">
               <a:rPr lang="en-US" smtClean="0"/>
-              <a:t>7/7/18</a:t>
+              <a:t>7/9/18</a:t>
             </a:fld>
             <a:endParaRPr lang="en-US"/>
           </a:p>
@@ -3326,131 +3772,274 @@
           <p:cNvPr id="2" name="Title 1">
             <a:extLst>
               <a:ext uri="{FF2B5EF4-FFF2-40B4-BE49-F238E27FC236}">
-                <a16:creationId xmlns:a16="http://schemas.microsoft.com/office/drawing/2014/main" id="{E553806A-E189-5740-B972-45FCABDF0365}"/>
-              </a:ext>
-            </a:extLst>
-          </p:cNvPr>
-          <p:cNvSpPr>
-            <a:spLocks noGrp="1"/>
-          </p:cNvSpPr>
-          <p:nvPr>
-            <p:ph type="ctrTitle"/>
+                <a16:creationId xmlns:a16="http://schemas.microsoft.com/office/drawing/2014/main" id="{88441B32-615D-EB45-ACCC-ABCBB5C45F85}"/>
+              </a:ext>
+            </a:extLst>
+          </p:cNvPr>
+          <p:cNvSpPr>
+            <a:spLocks noGrp="1"/>
+          </p:cNvSpPr>
+          <p:nvPr>
+            <p:ph type="title"/>
           </p:nvPr>
         </p:nvSpPr>
         <p:spPr>
           <a:xfrm>
-            <a:off x="1524000" y="230589"/>
-            <a:ext cx="9144000" cy="957594"/>
+            <a:off x="749300" y="920751"/>
+            <a:ext cx="10515600" cy="4768850"/>
           </a:xfrm>
         </p:spPr>
         <p:txBody>
           <a:bodyPr>
-            <a:normAutofit fontScale="90000"/>
+            <a:noAutofit/>
           </a:bodyPr>
           <a:lstStyle/>
           <a:p>
-            <a:r>
-              <a:rPr lang="en-US" sz="3200" b="1" dirty="0">
+            <a:pPr algn="ctr"/>
+            <a:r>
+              <a:rPr lang="en-US" sz="9600" b="1" dirty="0">
                 <a:solidFill>
                   <a:srgbClr val="0070C0"/>
                 </a:solidFill>
               </a:rPr>
-              <a:t>Visual parsed Kubernetes (VpK)</a:t>
+              <a:t>VpK</a:t>
+            </a:r>
+            <a:r>
+              <a:rPr lang="en-US" sz="6000" b="1" dirty="0">
+                <a:solidFill>
+                  <a:srgbClr val="0070C0"/>
+                </a:solidFill>
+              </a:rPr>
+              <a:t> </a:t>
             </a:r>
             <a:br>
-              <a:rPr lang="en-US" sz="3200" b="1" dirty="0">
+              <a:rPr lang="en-US" sz="6000" b="1" dirty="0">
                 <a:solidFill>
                   <a:srgbClr val="0070C0"/>
                 </a:solidFill>
               </a:rPr>
             </a:br>
-            <a:r>
-              <a:rPr lang="en-US" sz="3200" b="1" dirty="0">
+            <a:br>
+              <a:rPr lang="en-US" sz="6000" b="1" dirty="0">
                 <a:solidFill>
                   <a:srgbClr val="0070C0"/>
                 </a:solidFill>
               </a:rPr>
-              <a:t>architecture</a:t>
-            </a:r>
-          </a:p>
-        </p:txBody>
-      </p:sp>
-      <p:pic>
-        <p:nvPicPr>
-          <p:cNvPr id="5" name="Picture 4">
-            <a:extLst>
-              <a:ext uri="{FF2B5EF4-FFF2-40B4-BE49-F238E27FC236}">
-                <a16:creationId xmlns:a16="http://schemas.microsoft.com/office/drawing/2014/main" id="{7B782027-8073-B34E-BC69-0DECCD5C1302}"/>
-              </a:ext>
-            </a:extLst>
-          </p:cNvPr>
-          <p:cNvPicPr>
-            <a:picLocks noChangeAspect="1"/>
-          </p:cNvPicPr>
-          <p:nvPr/>
-        </p:nvPicPr>
-        <p:blipFill>
-          <a:blip r:embed="rId2"/>
-          <a:stretch>
-            <a:fillRect/>
-          </a:stretch>
-        </p:blipFill>
+            </a:br>
+            <a:r>
+              <a:rPr lang="en-US" sz="7200" b="1" dirty="0">
+                <a:solidFill>
+                  <a:srgbClr val="0070C0"/>
+                </a:solidFill>
+              </a:rPr>
+              <a:t>Visual parsed Kubernetes</a:t>
+            </a:r>
+            <a:br>
+              <a:rPr lang="en-US" sz="6000" b="1" dirty="0">
+                <a:solidFill>
+                  <a:srgbClr val="0070C0"/>
+                </a:solidFill>
+              </a:rPr>
+            </a:br>
+            <a:br>
+              <a:rPr lang="en-US" sz="6000" b="1" dirty="0">
+                <a:solidFill>
+                  <a:srgbClr val="0070C0"/>
+                </a:solidFill>
+              </a:rPr>
+            </a:br>
+            <a:endParaRPr lang="en-US" sz="6000" dirty="0"/>
+          </a:p>
+        </p:txBody>
+      </p:sp>
+    </p:spTree>
+    <p:extLst>
+      <p:ext uri="{BB962C8B-B14F-4D97-AF65-F5344CB8AC3E}">
+        <p14:creationId xmlns:p14="http://schemas.microsoft.com/office/powerpoint/2010/main" val="2775388232"/>
+      </p:ext>
+    </p:extLst>
+  </p:cSld>
+  <p:clrMapOvr>
+    <a:masterClrMapping/>
+  </p:clrMapOvr>
+</p:sld>
+</file>
+
+<file path=ppt/slides/slide2.xml><?xml version="1.0" encoding="utf-8"?>
+<p:sld xmlns:a="http://schemas.openxmlformats.org/drawingml/2006/main" xmlns:r="http://schemas.openxmlformats.org/officeDocument/2006/relationships" xmlns:p="http://schemas.openxmlformats.org/presentationml/2006/main">
+  <p:cSld>
+    <p:spTree>
+      <p:nvGrpSpPr>
+        <p:cNvPr id="1" name=""/>
+        <p:cNvGrpSpPr/>
+        <p:nvPr/>
+      </p:nvGrpSpPr>
+      <p:grpSpPr>
+        <a:xfrm>
+          <a:off x="0" y="0"/>
+          <a:ext cx="0" cy="0"/>
+          <a:chOff x="0" y="0"/>
+          <a:chExt cx="0" cy="0"/>
+        </a:xfrm>
+      </p:grpSpPr>
+      <p:sp>
+        <p:nvSpPr>
+          <p:cNvPr id="2" name="Title 1">
+            <a:extLst>
+              <a:ext uri="{FF2B5EF4-FFF2-40B4-BE49-F238E27FC236}">
+                <a16:creationId xmlns:a16="http://schemas.microsoft.com/office/drawing/2014/main" id="{88441B32-615D-EB45-ACCC-ABCBB5C45F85}"/>
+              </a:ext>
+            </a:extLst>
+          </p:cNvPr>
+          <p:cNvSpPr>
+            <a:spLocks noGrp="1"/>
+          </p:cNvSpPr>
+          <p:nvPr>
+            <p:ph type="title"/>
+          </p:nvPr>
+        </p:nvSpPr>
         <p:spPr>
           <a:xfrm>
-            <a:off x="4635781" y="3649333"/>
-            <a:ext cx="3231184" cy="1123890"/>
+            <a:off x="838200" y="771525"/>
+            <a:ext cx="10515600" cy="1325563"/>
           </a:xfrm>
-          <a:prstGeom prst="rect">
-            <a:avLst/>
-          </a:prstGeom>
-          <a:ln w="25400">
-            <a:solidFill>
-              <a:schemeClr val="accent1"/>
-            </a:solidFill>
-          </a:ln>
         </p:spPr>
-      </p:pic>
-      <p:pic>
-        <p:nvPicPr>
-          <p:cNvPr id="6" name="Picture 5">
-            <a:extLst>
-              <a:ext uri="{FF2B5EF4-FFF2-40B4-BE49-F238E27FC236}">
-                <a16:creationId xmlns:a16="http://schemas.microsoft.com/office/drawing/2014/main" id="{B40B0BF1-A364-B74D-963F-3EC360502A25}"/>
-              </a:ext>
-            </a:extLst>
-          </p:cNvPr>
-          <p:cNvPicPr>
-            <a:picLocks noChangeAspect="1"/>
-          </p:cNvPicPr>
-          <p:nvPr/>
-        </p:nvPicPr>
-        <p:blipFill>
-          <a:blip r:embed="rId3"/>
-          <a:stretch>
-            <a:fillRect/>
-          </a:stretch>
-        </p:blipFill>
+        <p:txBody>
+          <a:bodyPr>
+            <a:noAutofit/>
+          </a:bodyPr>
+          <a:lstStyle/>
+          <a:p>
+            <a:pPr algn="ctr"/>
+            <a:r>
+              <a:rPr lang="en-US" sz="6000" b="1" dirty="0">
+                <a:solidFill>
+                  <a:srgbClr val="0070C0"/>
+                </a:solidFill>
+              </a:rPr>
+              <a:t>VpK - Visual parsed Kubernetes What is it?</a:t>
+            </a:r>
+            <a:br>
+              <a:rPr lang="en-US" sz="6000" b="1" dirty="0">
+                <a:solidFill>
+                  <a:srgbClr val="0070C0"/>
+                </a:solidFill>
+              </a:rPr>
+            </a:br>
+            <a:r>
+              <a:rPr lang="en-US" sz="6000" b="1" dirty="0">
+                <a:solidFill>
+                  <a:srgbClr val="0070C0"/>
+                </a:solidFill>
+              </a:rPr>
+              <a:t> </a:t>
+            </a:r>
+            <a:endParaRPr lang="en-US" sz="6000" dirty="0"/>
+          </a:p>
+        </p:txBody>
+      </p:sp>
+      <p:sp>
+        <p:nvSpPr>
+          <p:cNvPr id="3" name="Content Placeholder 2">
+            <a:extLst>
+              <a:ext uri="{FF2B5EF4-FFF2-40B4-BE49-F238E27FC236}">
+                <a16:creationId xmlns:a16="http://schemas.microsoft.com/office/drawing/2014/main" id="{E00B749E-81BA-4C4E-94E8-1BFDED3D87B9}"/>
+              </a:ext>
+            </a:extLst>
+          </p:cNvPr>
+          <p:cNvSpPr>
+            <a:spLocks noGrp="1"/>
+          </p:cNvSpPr>
+          <p:nvPr>
+            <p:ph idx="1"/>
+          </p:nvPr>
+        </p:nvSpPr>
         <p:spPr>
           <a:xfrm>
-            <a:off x="721453" y="3419976"/>
-            <a:ext cx="2852212" cy="1604369"/>
+            <a:off x="364273" y="1825625"/>
+            <a:ext cx="11500625" cy="4351338"/>
           </a:xfrm>
-          <a:prstGeom prst="rect">
-            <a:avLst/>
-          </a:prstGeom>
-          <a:ln w="25400">
-            <a:solidFill>
-              <a:schemeClr val="accent1"/>
-            </a:solidFill>
-          </a:ln>
         </p:spPr>
-      </p:pic>
+        <p:txBody>
+          <a:bodyPr/>
+          <a:lstStyle/>
+          <a:p>
+            <a:pPr marL="0" indent="0">
+              <a:buNone/>
+            </a:pPr>
+            <a:endParaRPr lang="en-US" b="1" dirty="0">
+              <a:solidFill>
+                <a:srgbClr val="0070C0"/>
+              </a:solidFill>
+            </a:endParaRPr>
+          </a:p>
+          <a:p>
+            <a:pPr marL="0" indent="0">
+              <a:buNone/>
+            </a:pPr>
+            <a:r>
+              <a:rPr lang="en-US" sz="4000" b="1" dirty="0">
+                <a:solidFill>
+                  <a:srgbClr val="0070C0"/>
+                </a:solidFill>
+                <a:latin typeface="+mj-lt"/>
+              </a:rPr>
+              <a:t>VpK</a:t>
+            </a:r>
+            <a:r>
+              <a:rPr lang="en-US" sz="4000" dirty="0">
+                <a:solidFill>
+                  <a:srgbClr val="0070C0"/>
+                </a:solidFill>
+                <a:latin typeface="+mj-lt"/>
+              </a:rPr>
+              <a:t> was created as the result of needing to understand and visualize what is defined in all those Kubernetes configuration files.</a:t>
+            </a:r>
+            <a:endParaRPr lang="en-US" sz="4000" b="1" dirty="0">
+              <a:solidFill>
+                <a:srgbClr val="0070C0"/>
+              </a:solidFill>
+              <a:latin typeface="+mj-lt"/>
+            </a:endParaRPr>
+          </a:p>
+        </p:txBody>
+      </p:sp>
+    </p:spTree>
+    <p:extLst>
+      <p:ext uri="{BB962C8B-B14F-4D97-AF65-F5344CB8AC3E}">
+        <p14:creationId xmlns:p14="http://schemas.microsoft.com/office/powerpoint/2010/main" val="2633310665"/>
+      </p:ext>
+    </p:extLst>
+  </p:cSld>
+  <p:clrMapOvr>
+    <a:masterClrMapping/>
+  </p:clrMapOvr>
+</p:sld>
+</file>
+
+<file path=ppt/slides/slide3.xml><?xml version="1.0" encoding="utf-8"?>
+<p:sld xmlns:a="http://schemas.openxmlformats.org/drawingml/2006/main" xmlns:r="http://schemas.openxmlformats.org/officeDocument/2006/relationships" xmlns:p="http://schemas.openxmlformats.org/presentationml/2006/main">
+  <p:cSld>
+    <p:spTree>
+      <p:nvGrpSpPr>
+        <p:cNvPr id="1" name=""/>
+        <p:cNvGrpSpPr/>
+        <p:nvPr/>
+      </p:nvGrpSpPr>
+      <p:grpSpPr>
+        <a:xfrm>
+          <a:off x="0" y="0"/>
+          <a:ext cx="0" cy="0"/>
+          <a:chOff x="0" y="0"/>
+          <a:chExt cx="0" cy="0"/>
+        </a:xfrm>
+      </p:grpSpPr>
       <p:grpSp>
         <p:nvGrpSpPr>
-          <p:cNvPr id="16" name="Group 15">
-            <a:extLst>
-              <a:ext uri="{FF2B5EF4-FFF2-40B4-BE49-F238E27FC236}">
-                <a16:creationId xmlns:a16="http://schemas.microsoft.com/office/drawing/2014/main" id="{5EC40A5D-24C7-7D4C-9285-9D2C09379B18}"/>
+          <p:cNvPr id="31" name="Group 30">
+            <a:extLst>
+              <a:ext uri="{FF2B5EF4-FFF2-40B4-BE49-F238E27FC236}">
+                <a16:creationId xmlns:a16="http://schemas.microsoft.com/office/drawing/2014/main" id="{412E3FBA-5BDD-5B4A-BF2A-D2B37940A9B1}"/>
               </a:ext>
             </a:extLst>
           </p:cNvPr>
@@ -3459,18 +4048,53 @@
         </p:nvGrpSpPr>
         <p:grpSpPr>
           <a:xfrm>
-            <a:off x="9694220" y="3776733"/>
-            <a:ext cx="1704844" cy="1296572"/>
-            <a:chOff x="9038918" y="3937570"/>
-            <a:chExt cx="2282517" cy="1735905"/>
+            <a:off x="714312" y="1774474"/>
+            <a:ext cx="2852212" cy="4362163"/>
+            <a:chOff x="721453" y="1713996"/>
+            <a:chExt cx="2852212" cy="4362163"/>
           </a:xfrm>
         </p:grpSpPr>
         <p:pic>
           <p:nvPicPr>
-            <p:cNvPr id="13" name="Picture 12">
+            <p:cNvPr id="37" name="Picture 36">
               <a:extLst>
                 <a:ext uri="{FF2B5EF4-FFF2-40B4-BE49-F238E27FC236}">
-                  <a16:creationId xmlns:a16="http://schemas.microsoft.com/office/drawing/2014/main" id="{5F1E0EA9-AE85-AB4F-818B-83BB19085639}"/>
+                  <a16:creationId xmlns:a16="http://schemas.microsoft.com/office/drawing/2014/main" id="{6208B82A-3C57-A54B-B37A-1DCF46AE1979}"/>
+                </a:ext>
+              </a:extLst>
+            </p:cNvPr>
+            <p:cNvPicPr>
+              <a:picLocks noChangeAspect="1"/>
+            </p:cNvPicPr>
+            <p:nvPr/>
+          </p:nvPicPr>
+          <p:blipFill>
+            <a:blip r:embed="rId3"/>
+            <a:stretch>
+              <a:fillRect/>
+            </a:stretch>
+          </p:blipFill>
+          <p:spPr>
+            <a:xfrm>
+              <a:off x="721453" y="3419976"/>
+              <a:ext cx="2852212" cy="1604369"/>
+            </a:xfrm>
+            <a:prstGeom prst="rect">
+              <a:avLst/>
+            </a:prstGeom>
+            <a:ln w="25400">
+              <a:solidFill>
+                <a:schemeClr val="accent1"/>
+              </a:solidFill>
+            </a:ln>
+          </p:spPr>
+        </p:pic>
+        <p:pic>
+          <p:nvPicPr>
+            <p:cNvPr id="38" name="Picture 37">
+              <a:extLst>
+                <a:ext uri="{FF2B5EF4-FFF2-40B4-BE49-F238E27FC236}">
+                  <a16:creationId xmlns:a16="http://schemas.microsoft.com/office/drawing/2014/main" id="{92ED47DC-36ED-7E43-9F5F-B85E8589E374}"/>
                 </a:ext>
               </a:extLst>
             </p:cNvPr>
@@ -3487,253 +4111,79 @@
           </p:blipFill>
           <p:spPr>
             <a:xfrm>
-              <a:off x="9038918" y="4538090"/>
-              <a:ext cx="977900" cy="825500"/>
+              <a:off x="1365416" y="1713996"/>
+              <a:ext cx="1778000" cy="1778000"/>
             </a:xfrm>
             <a:prstGeom prst="rect">
               <a:avLst/>
             </a:prstGeom>
           </p:spPr>
         </p:pic>
-        <p:pic>
-          <p:nvPicPr>
-            <p:cNvPr id="12" name="Picture 11">
+        <p:sp>
+          <p:nvSpPr>
+            <p:cNvPr id="39" name="Title 1">
               <a:extLst>
                 <a:ext uri="{FF2B5EF4-FFF2-40B4-BE49-F238E27FC236}">
-                  <a16:creationId xmlns:a16="http://schemas.microsoft.com/office/drawing/2014/main" id="{0D403168-9594-8D49-A8F4-BA0FCD43F74B}"/>
+                  <a16:creationId xmlns:a16="http://schemas.microsoft.com/office/drawing/2014/main" id="{EBB4FF71-2575-6D4A-A622-6B4081DF5DB3}"/>
                 </a:ext>
               </a:extLst>
             </p:cNvPr>
-            <p:cNvPicPr>
-              <a:picLocks noChangeAspect="1"/>
-            </p:cNvPicPr>
+            <p:cNvSpPr txBox="1">
+              <a:spLocks/>
+            </p:cNvSpPr>
             <p:nvPr/>
-          </p:nvPicPr>
-          <p:blipFill>
-            <a:blip r:embed="rId4"/>
-            <a:stretch>
-              <a:fillRect/>
-            </a:stretch>
-          </p:blipFill>
+          </p:nvSpPr>
           <p:spPr>
             <a:xfrm>
-              <a:off x="9690100" y="4171489"/>
-              <a:ext cx="977900" cy="825500"/>
+              <a:off x="910657" y="5012839"/>
+              <a:ext cx="2508206" cy="1063320"/>
             </a:xfrm>
             <a:prstGeom prst="rect">
               <a:avLst/>
             </a:prstGeom>
           </p:spPr>
-        </p:pic>
-        <p:pic>
-          <p:nvPicPr>
-            <p:cNvPr id="11" name="Picture 10">
-              <a:extLst>
-                <a:ext uri="{FF2B5EF4-FFF2-40B4-BE49-F238E27FC236}">
-                  <a16:creationId xmlns:a16="http://schemas.microsoft.com/office/drawing/2014/main" id="{B0FA07B7-CB9B-3944-8F43-9D3278B1DA3C}"/>
-                </a:ext>
-              </a:extLst>
-            </p:cNvPr>
-            <p:cNvPicPr>
-              <a:picLocks noChangeAspect="1"/>
-            </p:cNvPicPr>
-            <p:nvPr/>
-          </p:nvPicPr>
-          <p:blipFill>
-            <a:blip r:embed="rId4"/>
-            <a:stretch>
-              <a:fillRect/>
-            </a:stretch>
-          </p:blipFill>
-          <p:spPr>
-            <a:xfrm>
-              <a:off x="10343535" y="3937570"/>
-              <a:ext cx="977900" cy="825500"/>
-            </a:xfrm>
-            <a:prstGeom prst="rect">
-              <a:avLst/>
-            </a:prstGeom>
-          </p:spPr>
-        </p:pic>
-        <p:pic>
-          <p:nvPicPr>
-            <p:cNvPr id="14" name="Picture 13">
-              <a:extLst>
-                <a:ext uri="{FF2B5EF4-FFF2-40B4-BE49-F238E27FC236}">
-                  <a16:creationId xmlns:a16="http://schemas.microsoft.com/office/drawing/2014/main" id="{D5D41FDA-C0E5-BA4B-9B06-522EDB01B54F}"/>
-                </a:ext>
-              </a:extLst>
-            </p:cNvPr>
-            <p:cNvPicPr>
-              <a:picLocks noChangeAspect="1"/>
-            </p:cNvPicPr>
-            <p:nvPr/>
-          </p:nvPicPr>
-          <p:blipFill>
-            <a:blip r:embed="rId5"/>
-            <a:stretch>
-              <a:fillRect/>
-            </a:stretch>
-          </p:blipFill>
-          <p:spPr>
-            <a:xfrm>
-              <a:off x="9426855" y="4788341"/>
-              <a:ext cx="1712656" cy="885134"/>
-            </a:xfrm>
-            <a:prstGeom prst="rect">
-              <a:avLst/>
-            </a:prstGeom>
-          </p:spPr>
-        </p:pic>
-      </p:grpSp>
-      <p:grpSp>
-        <p:nvGrpSpPr>
-          <p:cNvPr id="17" name="Group 16">
-            <a:extLst>
-              <a:ext uri="{FF2B5EF4-FFF2-40B4-BE49-F238E27FC236}">
-                <a16:creationId xmlns:a16="http://schemas.microsoft.com/office/drawing/2014/main" id="{CF838A76-F59C-DF44-8D7A-B1FDC77399F9}"/>
-              </a:ext>
-            </a:extLst>
-          </p:cNvPr>
-          <p:cNvGrpSpPr/>
-          <p:nvPr/>
-        </p:nvGrpSpPr>
-        <p:grpSpPr>
-          <a:xfrm>
-            <a:off x="9725034" y="1789471"/>
-            <a:ext cx="1674030" cy="1669142"/>
-            <a:chOff x="9038918" y="1244899"/>
-            <a:chExt cx="2100593" cy="2094459"/>
-          </a:xfrm>
-        </p:grpSpPr>
-        <p:grpSp>
-          <p:nvGrpSpPr>
-            <p:cNvPr id="10" name="Group 9">
-              <a:extLst>
-                <a:ext uri="{FF2B5EF4-FFF2-40B4-BE49-F238E27FC236}">
-                  <a16:creationId xmlns:a16="http://schemas.microsoft.com/office/drawing/2014/main" id="{2EED1215-D8AB-4545-8D30-649029F38AE8}"/>
-                </a:ext>
-              </a:extLst>
-            </p:cNvPr>
-            <p:cNvGrpSpPr/>
-            <p:nvPr/>
-          </p:nvGrpSpPr>
-          <p:grpSpPr>
-            <a:xfrm>
-              <a:off x="9038918" y="1554784"/>
-              <a:ext cx="2100593" cy="1784574"/>
-              <a:chOff x="2015855" y="2111476"/>
-              <a:chExt cx="4305300" cy="3657600"/>
-            </a:xfrm>
-          </p:grpSpPr>
-          <p:pic>
-            <p:nvPicPr>
-              <p:cNvPr id="7" name="Picture 6">
-                <a:extLst>
-                  <a:ext uri="{FF2B5EF4-FFF2-40B4-BE49-F238E27FC236}">
-                    <a16:creationId xmlns:a16="http://schemas.microsoft.com/office/drawing/2014/main" id="{98D0A358-BE0D-E549-B36D-A8A4B065D511}"/>
-                  </a:ext>
-                </a:extLst>
-              </p:cNvPr>
-              <p:cNvPicPr>
-                <a:picLocks noChangeAspect="1"/>
-              </p:cNvPicPr>
-              <p:nvPr/>
-            </p:nvPicPr>
-            <p:blipFill>
-              <a:blip r:embed="rId6"/>
-              <a:stretch>
-                <a:fillRect/>
-              </a:stretch>
-            </p:blipFill>
-            <p:spPr>
-              <a:xfrm>
-                <a:off x="2015855" y="2111476"/>
-                <a:ext cx="4305300" cy="3657600"/>
-              </a:xfrm>
-              <a:prstGeom prst="rect">
-                <a:avLst/>
-              </a:prstGeom>
-              <a:ln w="25400">
-                <a:solidFill>
-                  <a:schemeClr val="accent1"/>
-                </a:solidFill>
-              </a:ln>
-            </p:spPr>
-          </p:pic>
-          <p:pic>
-            <p:nvPicPr>
-              <p:cNvPr id="8" name="Picture 7">
-                <a:extLst>
-                  <a:ext uri="{FF2B5EF4-FFF2-40B4-BE49-F238E27FC236}">
-                    <a16:creationId xmlns:a16="http://schemas.microsoft.com/office/drawing/2014/main" id="{A6102063-047F-834D-BB33-DD043BA8E024}"/>
-                  </a:ext>
-                </a:extLst>
-              </p:cNvPr>
-              <p:cNvPicPr>
-                <a:picLocks noChangeAspect="1"/>
-              </p:cNvPicPr>
-              <p:nvPr/>
-            </p:nvPicPr>
-            <p:blipFill>
-              <a:blip r:embed="rId7"/>
-              <a:stretch>
-                <a:fillRect/>
-              </a:stretch>
-            </p:blipFill>
-            <p:spPr>
-              <a:xfrm>
-                <a:off x="3874561" y="5248580"/>
-                <a:ext cx="2298700" cy="342900"/>
-              </a:xfrm>
-              <a:prstGeom prst="rect">
-                <a:avLst/>
-              </a:prstGeom>
-              <a:ln>
-                <a:solidFill>
-                  <a:schemeClr val="accent1"/>
-                </a:solidFill>
-              </a:ln>
-            </p:spPr>
-          </p:pic>
-        </p:grpSp>
-        <p:pic>
-          <p:nvPicPr>
-            <p:cNvPr id="15" name="Picture 14">
-              <a:extLst>
-                <a:ext uri="{FF2B5EF4-FFF2-40B4-BE49-F238E27FC236}">
-                  <a16:creationId xmlns:a16="http://schemas.microsoft.com/office/drawing/2014/main" id="{0B95FC4C-DCD4-FB40-8595-9C05878D8FDD}"/>
-                </a:ext>
-              </a:extLst>
-            </p:cNvPr>
-            <p:cNvPicPr>
-              <a:picLocks noChangeAspect="1"/>
-            </p:cNvPicPr>
-            <p:nvPr/>
-          </p:nvPicPr>
-          <p:blipFill>
-            <a:blip r:embed="rId5"/>
-            <a:stretch>
-              <a:fillRect/>
-            </a:stretch>
-          </p:blipFill>
-          <p:spPr>
-            <a:xfrm>
-              <a:off x="9232886" y="1244899"/>
-              <a:ext cx="1712656" cy="885134"/>
-            </a:xfrm>
-            <a:prstGeom prst="rect">
-              <a:avLst/>
-            </a:prstGeom>
-          </p:spPr>
-        </p:pic>
+          <p:txBody>
+            <a:bodyPr vert="horz" lIns="91440" tIns="45720" rIns="91440" bIns="45720" rtlCol="0" anchor="b">
+              <a:normAutofit fontScale="97500"/>
+            </a:bodyPr>
+            <a:lstStyle>
+              <a:lvl1pPr algn="ctr" defTabSz="914400" rtl="0" eaLnBrk="1" latinLnBrk="0" hangingPunct="1">
+                <a:lnSpc>
+                  <a:spcPct val="90000"/>
+                </a:lnSpc>
+                <a:spcBef>
+                  <a:spcPct val="0"/>
+                </a:spcBef>
+                <a:buNone/>
+                <a:defRPr sz="6000" kern="1200">
+                  <a:solidFill>
+                    <a:schemeClr val="tx1"/>
+                  </a:solidFill>
+                  <a:latin typeface="+mj-lt"/>
+                  <a:ea typeface="+mj-ea"/>
+                  <a:cs typeface="+mj-cs"/>
+                </a:defRPr>
+              </a:lvl1pPr>
+            </a:lstStyle>
+            <a:p>
+              <a:r>
+                <a:rPr lang="en-US" sz="2400" b="1" dirty="0">
+                  <a:solidFill>
+                    <a:srgbClr val="0070C0"/>
+                  </a:solidFill>
+                </a:rPr>
+                <a:t>Application UI running in client browser</a:t>
+              </a:r>
+            </a:p>
+          </p:txBody>
+        </p:sp>
       </p:grpSp>
       <p:pic>
         <p:nvPicPr>
-          <p:cNvPr id="18" name="Picture 17">
-            <a:extLst>
-              <a:ext uri="{FF2B5EF4-FFF2-40B4-BE49-F238E27FC236}">
-                <a16:creationId xmlns:a16="http://schemas.microsoft.com/office/drawing/2014/main" id="{136F01A8-5596-824B-B01F-6F8888A32394}"/>
+          <p:cNvPr id="40" name="Picture 39">
+            <a:extLst>
+              <a:ext uri="{FF2B5EF4-FFF2-40B4-BE49-F238E27FC236}">
+                <a16:creationId xmlns:a16="http://schemas.microsoft.com/office/drawing/2014/main" id="{1F545A12-EECC-1B40-8415-9173F1EBDD39}"/>
               </a:ext>
             </a:extLst>
           </p:cNvPr>
@@ -3743,57 +4193,32 @@
           <p:nvPr/>
         </p:nvPicPr>
         <p:blipFill>
-          <a:blip r:embed="rId8"/>
+          <a:blip r:embed="rId5"/>
           <a:stretch>
             <a:fillRect/>
           </a:stretch>
         </p:blipFill>
         <p:spPr>
           <a:xfrm>
-            <a:off x="1365416" y="1713996"/>
-            <a:ext cx="1778000" cy="1778000"/>
+            <a:off x="4628640" y="3486301"/>
+            <a:ext cx="3231184" cy="1331605"/>
           </a:xfrm>
           <a:prstGeom prst="rect">
             <a:avLst/>
           </a:prstGeom>
-        </p:spPr>
-      </p:pic>
-      <p:pic>
-        <p:nvPicPr>
-          <p:cNvPr id="19" name="Picture 18">
-            <a:extLst>
-              <a:ext uri="{FF2B5EF4-FFF2-40B4-BE49-F238E27FC236}">
-                <a16:creationId xmlns:a16="http://schemas.microsoft.com/office/drawing/2014/main" id="{81BDA96C-AF2E-BF41-8499-406FA147396B}"/>
-              </a:ext>
-            </a:extLst>
-          </p:cNvPr>
-          <p:cNvPicPr>
-            <a:picLocks noChangeAspect="1"/>
-          </p:cNvPicPr>
-          <p:nvPr/>
-        </p:nvPicPr>
-        <p:blipFill>
-          <a:blip r:embed="rId9"/>
-          <a:stretch>
-            <a:fillRect/>
-          </a:stretch>
-        </p:blipFill>
-        <p:spPr>
-          <a:xfrm>
-            <a:off x="5433117" y="1962355"/>
-            <a:ext cx="1228222" cy="1228222"/>
-          </a:xfrm>
-          <a:prstGeom prst="rect">
-            <a:avLst/>
-          </a:prstGeom>
+          <a:ln w="25400">
+            <a:solidFill>
+              <a:schemeClr val="accent1"/>
+            </a:solidFill>
+          </a:ln>
         </p:spPr>
       </p:pic>
       <p:cxnSp>
         <p:nvCxnSpPr>
-          <p:cNvPr id="21" name="Straight Connector 20">
-            <a:extLst>
-              <a:ext uri="{FF2B5EF4-FFF2-40B4-BE49-F238E27FC236}">
-                <a16:creationId xmlns:a16="http://schemas.microsoft.com/office/drawing/2014/main" id="{D3C59FB5-1021-7B45-93E3-503EF828E436}"/>
+          <p:cNvPr id="41" name="Straight Connector 40">
+            <a:extLst>
+              <a:ext uri="{FF2B5EF4-FFF2-40B4-BE49-F238E27FC236}">
+                <a16:creationId xmlns:a16="http://schemas.microsoft.com/office/drawing/2014/main" id="{68A9E95B-1FCB-9D42-BE20-FB8699AA6E78}"/>
               </a:ext>
             </a:extLst>
           </p:cNvPr>
@@ -3804,7 +4229,7 @@
         </p:nvCxnSpPr>
         <p:spPr>
           <a:xfrm>
-            <a:off x="4121339" y="1789471"/>
+            <a:off x="4114198" y="1849949"/>
             <a:ext cx="0" cy="3793318"/>
           </a:xfrm>
           <a:prstGeom prst="line">
@@ -3828,10 +4253,10 @@
       </p:cxnSp>
       <p:cxnSp>
         <p:nvCxnSpPr>
-          <p:cNvPr id="23" name="Straight Connector 22">
-            <a:extLst>
-              <a:ext uri="{FF2B5EF4-FFF2-40B4-BE49-F238E27FC236}">
-                <a16:creationId xmlns:a16="http://schemas.microsoft.com/office/drawing/2014/main" id="{B2B05A37-3A56-CB40-89B9-5E80E36751A4}"/>
+          <p:cNvPr id="42" name="Straight Connector 41">
+            <a:extLst>
+              <a:ext uri="{FF2B5EF4-FFF2-40B4-BE49-F238E27FC236}">
+                <a16:creationId xmlns:a16="http://schemas.microsoft.com/office/drawing/2014/main" id="{B52AE302-DFEF-174F-B8C9-5CCCF21DCE41}"/>
               </a:ext>
             </a:extLst>
           </p:cNvPr>
@@ -3842,7 +4267,7 @@
         </p:nvCxnSpPr>
         <p:spPr>
           <a:xfrm>
-            <a:off x="8414292" y="1789471"/>
+            <a:off x="8407151" y="1849949"/>
             <a:ext cx="0" cy="3793318"/>
           </a:xfrm>
           <a:prstGeom prst="line">
@@ -3866,10 +4291,10 @@
       </p:cxnSp>
       <p:sp>
         <p:nvSpPr>
-          <p:cNvPr id="28" name="Title 1">
-            <a:extLst>
-              <a:ext uri="{FF2B5EF4-FFF2-40B4-BE49-F238E27FC236}">
-                <a16:creationId xmlns:a16="http://schemas.microsoft.com/office/drawing/2014/main" id="{C6D17BE3-BCB0-1E40-A15F-D4B0DEABEFD8}"/>
+          <p:cNvPr id="43" name="Title 1">
+            <a:extLst>
+              <a:ext uri="{FF2B5EF4-FFF2-40B4-BE49-F238E27FC236}">
+                <a16:creationId xmlns:a16="http://schemas.microsoft.com/office/drawing/2014/main" id="{9087E051-9770-5342-866E-BE4DEA12ECC7}"/>
               </a:ext>
             </a:extLst>
           </p:cNvPr>
@@ -3880,8 +4305,8 @@
         </p:nvSpPr>
         <p:spPr>
           <a:xfrm>
-            <a:off x="652289" y="5263591"/>
-            <a:ext cx="2508206" cy="957594"/>
+            <a:off x="4981405" y="5012919"/>
+            <a:ext cx="2508206" cy="654352"/>
           </a:xfrm>
           <a:prstGeom prst="rect">
             <a:avLst/>
@@ -3889,7 +4314,7 @@
         </p:spPr>
         <p:txBody>
           <a:bodyPr vert="horz" lIns="91440" tIns="45720" rIns="91440" bIns="45720" rtlCol="0" anchor="b">
-            <a:normAutofit fontScale="97500"/>
+            <a:normAutofit fontScale="90000" lnSpcReduction="10000"/>
           </a:bodyPr>
           <a:lstStyle>
             <a:lvl1pPr algn="ctr" defTabSz="914400" rtl="0" eaLnBrk="1" latinLnBrk="0" hangingPunct="1">
@@ -3917,147 +4342,30 @@
                   <a:srgbClr val="0070C0"/>
                 </a:solidFill>
               </a:rPr>
-              <a:t>App running in client browser</a:t>
-            </a:r>
-          </a:p>
-        </p:txBody>
-      </p:sp>
-      <p:sp>
-        <p:nvSpPr>
-          <p:cNvPr id="29" name="Title 1">
-            <a:extLst>
-              <a:ext uri="{FF2B5EF4-FFF2-40B4-BE49-F238E27FC236}">
-                <a16:creationId xmlns:a16="http://schemas.microsoft.com/office/drawing/2014/main" id="{F6CBA6DE-DC54-424B-9691-0D2CF674F787}"/>
-              </a:ext>
-            </a:extLst>
-          </p:cNvPr>
-          <p:cNvSpPr txBox="1">
-            <a:spLocks/>
-          </p:cNvSpPr>
-          <p:nvPr/>
-        </p:nvSpPr>
-        <p:spPr>
-          <a:xfrm>
-            <a:off x="4988546" y="5263591"/>
-            <a:ext cx="2508206" cy="654352"/>
-          </a:xfrm>
-          <a:prstGeom prst="rect">
-            <a:avLst/>
-          </a:prstGeom>
-        </p:spPr>
-        <p:txBody>
-          <a:bodyPr vert="horz" lIns="91440" tIns="45720" rIns="91440" bIns="45720" rtlCol="0" anchor="b">
-            <a:normAutofit fontScale="97500"/>
-          </a:bodyPr>
-          <a:lstStyle>
-            <a:lvl1pPr algn="ctr" defTabSz="914400" rtl="0" eaLnBrk="1" latinLnBrk="0" hangingPunct="1">
-              <a:lnSpc>
-                <a:spcPct val="90000"/>
-              </a:lnSpc>
-              <a:spcBef>
-                <a:spcPct val="0"/>
-              </a:spcBef>
-              <a:buNone/>
-              <a:defRPr sz="6000" kern="1200">
-                <a:solidFill>
-                  <a:schemeClr val="tx1"/>
-                </a:solidFill>
-                <a:latin typeface="+mj-lt"/>
-                <a:ea typeface="+mj-ea"/>
-                <a:cs typeface="+mj-cs"/>
-              </a:defRPr>
-            </a:lvl1pPr>
-          </a:lstStyle>
-          <a:p>
-            <a:r>
-              <a:rPr lang="en-US" sz="2400" b="1" dirty="0">
-                <a:solidFill>
-                  <a:srgbClr val="0070C0"/>
-                </a:solidFill>
-              </a:rPr>
-              <a:t>Server software</a:t>
-            </a:r>
-          </a:p>
-        </p:txBody>
-      </p:sp>
-      <p:sp>
-        <p:nvSpPr>
-          <p:cNvPr id="30" name="Title 1">
-            <a:extLst>
-              <a:ext uri="{FF2B5EF4-FFF2-40B4-BE49-F238E27FC236}">
-                <a16:creationId xmlns:a16="http://schemas.microsoft.com/office/drawing/2014/main" id="{88636281-AE30-AC46-9C21-E69DFA312904}"/>
-              </a:ext>
-            </a:extLst>
-          </p:cNvPr>
-          <p:cNvSpPr txBox="1">
-            <a:spLocks/>
-          </p:cNvSpPr>
-          <p:nvPr/>
-        </p:nvSpPr>
-        <p:spPr>
-          <a:xfrm>
-            <a:off x="9213290" y="5526041"/>
-            <a:ext cx="2508206" cy="1124061"/>
-          </a:xfrm>
-          <a:prstGeom prst="rect">
-            <a:avLst/>
-          </a:prstGeom>
-        </p:spPr>
-        <p:txBody>
-          <a:bodyPr vert="horz" lIns="91440" tIns="45720" rIns="91440" bIns="45720" rtlCol="0" anchor="b">
-            <a:noAutofit/>
-          </a:bodyPr>
-          <a:lstStyle>
-            <a:lvl1pPr algn="ctr" defTabSz="914400" rtl="0" eaLnBrk="1" latinLnBrk="0" hangingPunct="1">
-              <a:lnSpc>
-                <a:spcPct val="90000"/>
-              </a:lnSpc>
-              <a:spcBef>
-                <a:spcPct val="0"/>
-              </a:spcBef>
-              <a:buNone/>
-              <a:defRPr sz="6000" kern="1200">
-                <a:solidFill>
-                  <a:schemeClr val="tx1"/>
-                </a:solidFill>
-                <a:latin typeface="+mj-lt"/>
-                <a:ea typeface="+mj-ea"/>
-                <a:cs typeface="+mj-cs"/>
-              </a:defRPr>
-            </a:lvl1pPr>
-          </a:lstStyle>
-          <a:p>
-            <a:r>
-              <a:rPr lang="en-US" sz="2400" b="1" dirty="0">
-                <a:solidFill>
-                  <a:srgbClr val="0070C0"/>
-                </a:solidFill>
-              </a:rPr>
-              <a:t>IBM Cloud Private or folders with yaml files</a:t>
+              <a:t>Application Server running on desktop</a:t>
             </a:r>
           </a:p>
         </p:txBody>
       </p:sp>
       <p:cxnSp>
         <p:nvCxnSpPr>
-          <p:cNvPr id="32" name="Straight Arrow Connector 31">
-            <a:extLst>
-              <a:ext uri="{FF2B5EF4-FFF2-40B4-BE49-F238E27FC236}">
-                <a16:creationId xmlns:a16="http://schemas.microsoft.com/office/drawing/2014/main" id="{E97FE135-0BF4-144A-9014-3912721D75BE}"/>
+          <p:cNvPr id="44" name="Straight Arrow Connector 43">
+            <a:extLst>
+              <a:ext uri="{FF2B5EF4-FFF2-40B4-BE49-F238E27FC236}">
+                <a16:creationId xmlns:a16="http://schemas.microsoft.com/office/drawing/2014/main" id="{BC311ABC-B809-444C-B21E-A778431D0563}"/>
               </a:ext>
             </a:extLst>
           </p:cNvPr>
           <p:cNvCxnSpPr>
             <a:cxnSpLocks/>
-            <a:stCxn id="6" idx="3"/>
-            <a:endCxn id="5" idx="1"/>
+            <a:stCxn id="37" idx="3"/>
           </p:cNvCxnSpPr>
           <p:nvPr/>
         </p:nvCxnSpPr>
         <p:spPr>
           <a:xfrm flipV="1">
-            <a:off x="3573665" y="4211278"/>
-            <a:ext cx="1062116" cy="10883"/>
+            <a:off x="3566524" y="4277197"/>
+            <a:ext cx="1062116" cy="5442"/>
           </a:xfrm>
           <a:prstGeom prst="straightConnector1">
             <a:avLst/>
@@ -4087,10 +4395,10 @@
       </p:cxnSp>
       <p:cxnSp>
         <p:nvCxnSpPr>
-          <p:cNvPr id="33" name="Straight Arrow Connector 32">
-            <a:extLst>
-              <a:ext uri="{FF2B5EF4-FFF2-40B4-BE49-F238E27FC236}">
-                <a16:creationId xmlns:a16="http://schemas.microsoft.com/office/drawing/2014/main" id="{E598BB8E-A9DA-1B48-9416-014BC5C3022D}"/>
+          <p:cNvPr id="45" name="Straight Arrow Connector 44">
+            <a:extLst>
+              <a:ext uri="{FF2B5EF4-FFF2-40B4-BE49-F238E27FC236}">
+                <a16:creationId xmlns:a16="http://schemas.microsoft.com/office/drawing/2014/main" id="{A9BE4D8D-3B2C-E14E-864E-4DBD270CF2E4}"/>
               </a:ext>
             </a:extLst>
           </p:cNvPr>
@@ -4101,7 +4409,7 @@
         </p:nvCxnSpPr>
         <p:spPr>
           <a:xfrm flipV="1">
-            <a:off x="7864848" y="3045204"/>
+            <a:off x="7890204" y="2938773"/>
             <a:ext cx="1827689" cy="908459"/>
           </a:xfrm>
           <a:prstGeom prst="straightConnector1">
@@ -4132,22 +4440,23 @@
       </p:cxnSp>
       <p:cxnSp>
         <p:nvCxnSpPr>
-          <p:cNvPr id="35" name="Straight Arrow Connector 34">
-            <a:extLst>
-              <a:ext uri="{FF2B5EF4-FFF2-40B4-BE49-F238E27FC236}">
-                <a16:creationId xmlns:a16="http://schemas.microsoft.com/office/drawing/2014/main" id="{35AA9AE0-9703-3B46-A930-DF0B61A718F2}"/>
+          <p:cNvPr id="46" name="Straight Arrow Connector 45">
+            <a:extLst>
+              <a:ext uri="{FF2B5EF4-FFF2-40B4-BE49-F238E27FC236}">
+                <a16:creationId xmlns:a16="http://schemas.microsoft.com/office/drawing/2014/main" id="{91D20FB2-5913-614E-A26E-A25B7D51EBBC}"/>
               </a:ext>
             </a:extLst>
           </p:cNvPr>
           <p:cNvCxnSpPr>
             <a:cxnSpLocks/>
+            <a:endCxn id="65" idx="1"/>
           </p:cNvCxnSpPr>
           <p:nvPr/>
         </p:nvCxnSpPr>
         <p:spPr>
           <a:xfrm>
-            <a:off x="7896355" y="4216719"/>
-            <a:ext cx="1767951" cy="421137"/>
+            <a:off x="7887575" y="4421279"/>
+            <a:ext cx="1799504" cy="876577"/>
           </a:xfrm>
           <a:prstGeom prst="straightConnector1">
             <a:avLst/>
@@ -4175,10 +4484,1330 @@
           </a:fontRef>
         </p:style>
       </p:cxnSp>
+      <p:sp>
+        <p:nvSpPr>
+          <p:cNvPr id="47" name="Title 1">
+            <a:extLst>
+              <a:ext uri="{FF2B5EF4-FFF2-40B4-BE49-F238E27FC236}">
+                <a16:creationId xmlns:a16="http://schemas.microsoft.com/office/drawing/2014/main" id="{8D54170B-6313-6242-A313-92CB3039C5D6}"/>
+              </a:ext>
+            </a:extLst>
+          </p:cNvPr>
+          <p:cNvSpPr txBox="1">
+            <a:spLocks/>
+          </p:cNvSpPr>
+          <p:nvPr/>
+        </p:nvSpPr>
+        <p:spPr>
+          <a:xfrm>
+            <a:off x="838200" y="567695"/>
+            <a:ext cx="10515600" cy="1325563"/>
+          </a:xfrm>
+          <a:prstGeom prst="rect">
+            <a:avLst/>
+          </a:prstGeom>
+        </p:spPr>
+        <p:txBody>
+          <a:bodyPr vert="horz" lIns="91440" tIns="45720" rIns="91440" bIns="45720" rtlCol="0" anchor="b">
+            <a:noAutofit/>
+          </a:bodyPr>
+          <a:lstStyle>
+            <a:lvl1pPr algn="ctr" defTabSz="914400" rtl="0" eaLnBrk="1" latinLnBrk="0" hangingPunct="1">
+              <a:lnSpc>
+                <a:spcPct val="90000"/>
+              </a:lnSpc>
+              <a:spcBef>
+                <a:spcPct val="0"/>
+              </a:spcBef>
+              <a:buNone/>
+              <a:defRPr sz="6000" kern="1200">
+                <a:solidFill>
+                  <a:schemeClr val="tx1"/>
+                </a:solidFill>
+                <a:latin typeface="+mj-lt"/>
+                <a:ea typeface="+mj-ea"/>
+                <a:cs typeface="+mj-cs"/>
+              </a:defRPr>
+            </a:lvl1pPr>
+          </a:lstStyle>
+          <a:p>
+            <a:r>
+              <a:rPr lang="en-US" b="1" dirty="0">
+                <a:solidFill>
+                  <a:srgbClr val="0070C0"/>
+                </a:solidFill>
+              </a:rPr>
+              <a:t>VpK - Visual parsed Kubernetes Architecture </a:t>
+            </a:r>
+            <a:endParaRPr lang="en-US" dirty="0"/>
+          </a:p>
+        </p:txBody>
+      </p:sp>
+      <p:sp>
+        <p:nvSpPr>
+          <p:cNvPr id="48" name="Right Brace 47">
+            <a:extLst>
+              <a:ext uri="{FF2B5EF4-FFF2-40B4-BE49-F238E27FC236}">
+                <a16:creationId xmlns:a16="http://schemas.microsoft.com/office/drawing/2014/main" id="{8777F6AE-53F6-9343-A3C8-A90B646C931D}"/>
+              </a:ext>
+            </a:extLst>
+          </p:cNvPr>
+          <p:cNvSpPr/>
+          <p:nvPr/>
+        </p:nvSpPr>
+        <p:spPr>
+          <a:xfrm rot="5400000">
+            <a:off x="4238649" y="2172405"/>
+            <a:ext cx="510447" cy="7840842"/>
+          </a:xfrm>
+          <a:prstGeom prst="rightBrace">
+            <a:avLst/>
+          </a:prstGeom>
+          <a:ln w="15875">
+            <a:prstDash val="sysDot"/>
+          </a:ln>
+        </p:spPr>
+        <p:style>
+          <a:lnRef idx="1">
+            <a:schemeClr val="accent1"/>
+          </a:lnRef>
+          <a:fillRef idx="0">
+            <a:schemeClr val="accent1"/>
+          </a:fillRef>
+          <a:effectRef idx="0">
+            <a:schemeClr val="accent1"/>
+          </a:effectRef>
+          <a:fontRef idx="minor">
+            <a:schemeClr val="tx1"/>
+          </a:fontRef>
+        </p:style>
+        <p:txBody>
+          <a:bodyPr rtlCol="0" anchor="ctr"/>
+          <a:lstStyle/>
+          <a:p>
+            <a:pPr algn="ctr"/>
+            <a:endParaRPr lang="en-US"/>
+          </a:p>
+        </p:txBody>
+      </p:sp>
+      <p:sp>
+        <p:nvSpPr>
+          <p:cNvPr id="49" name="Title 1">
+            <a:extLst>
+              <a:ext uri="{FF2B5EF4-FFF2-40B4-BE49-F238E27FC236}">
+                <a16:creationId xmlns:a16="http://schemas.microsoft.com/office/drawing/2014/main" id="{F01D4119-F07C-C743-8B01-23F3C407B151}"/>
+              </a:ext>
+            </a:extLst>
+          </p:cNvPr>
+          <p:cNvSpPr txBox="1">
+            <a:spLocks/>
+          </p:cNvSpPr>
+          <p:nvPr/>
+        </p:nvSpPr>
+        <p:spPr>
+          <a:xfrm>
+            <a:off x="2295054" y="6273809"/>
+            <a:ext cx="4403422" cy="436771"/>
+          </a:xfrm>
+          <a:prstGeom prst="rect">
+            <a:avLst/>
+          </a:prstGeom>
+        </p:spPr>
+        <p:txBody>
+          <a:bodyPr vert="horz" lIns="91440" tIns="45720" rIns="91440" bIns="45720" rtlCol="0" anchor="b">
+            <a:normAutofit fontScale="82500" lnSpcReduction="10000"/>
+          </a:bodyPr>
+          <a:lstStyle>
+            <a:lvl1pPr algn="ctr" defTabSz="914400" rtl="0" eaLnBrk="1" latinLnBrk="0" hangingPunct="1">
+              <a:lnSpc>
+                <a:spcPct val="90000"/>
+              </a:lnSpc>
+              <a:spcBef>
+                <a:spcPct val="0"/>
+              </a:spcBef>
+              <a:buNone/>
+              <a:defRPr sz="6000" kern="1200">
+                <a:solidFill>
+                  <a:schemeClr val="tx1"/>
+                </a:solidFill>
+                <a:latin typeface="+mj-lt"/>
+                <a:ea typeface="+mj-ea"/>
+                <a:cs typeface="+mj-cs"/>
+              </a:defRPr>
+            </a:lvl1pPr>
+          </a:lstStyle>
+          <a:p>
+            <a:r>
+              <a:rPr lang="en-US" sz="2400" b="1" dirty="0">
+                <a:solidFill>
+                  <a:srgbClr val="0070C0"/>
+                </a:solidFill>
+              </a:rPr>
+              <a:t>Typically installed on desktop machine</a:t>
+            </a:r>
+          </a:p>
+        </p:txBody>
+      </p:sp>
+      <p:grpSp>
+        <p:nvGrpSpPr>
+          <p:cNvPr id="50" name="Group 49">
+            <a:extLst>
+              <a:ext uri="{FF2B5EF4-FFF2-40B4-BE49-F238E27FC236}">
+                <a16:creationId xmlns:a16="http://schemas.microsoft.com/office/drawing/2014/main" id="{8424CD90-73A0-E74B-98FC-B7CB5C700B35}"/>
+              </a:ext>
+            </a:extLst>
+          </p:cNvPr>
+          <p:cNvGrpSpPr/>
+          <p:nvPr/>
+        </p:nvGrpSpPr>
+        <p:grpSpPr>
+          <a:xfrm>
+            <a:off x="5586660" y="2538233"/>
+            <a:ext cx="1255349" cy="374650"/>
+            <a:chOff x="405011" y="2049382"/>
+            <a:chExt cx="1255349" cy="374650"/>
+          </a:xfrm>
+        </p:grpSpPr>
+        <p:sp>
+          <p:nvSpPr>
+            <p:cNvPr id="51" name="Rectangle 50">
+              <a:extLst>
+                <a:ext uri="{FF2B5EF4-FFF2-40B4-BE49-F238E27FC236}">
+                  <a16:creationId xmlns:a16="http://schemas.microsoft.com/office/drawing/2014/main" id="{51DC0D95-309D-6343-B836-AC82F113EC8D}"/>
+                </a:ext>
+              </a:extLst>
+            </p:cNvPr>
+            <p:cNvSpPr/>
+            <p:nvPr/>
+          </p:nvSpPr>
+          <p:spPr>
+            <a:xfrm>
+              <a:off x="405011" y="2049382"/>
+              <a:ext cx="1255349" cy="374650"/>
+            </a:xfrm>
+            <a:prstGeom prst="rect">
+              <a:avLst/>
+            </a:prstGeom>
+            <a:noFill/>
+            <a:ln w="38100">
+              <a:solidFill>
+                <a:schemeClr val="tx1"/>
+              </a:solidFill>
+            </a:ln>
+          </p:spPr>
+          <p:style>
+            <a:lnRef idx="2">
+              <a:schemeClr val="accent1">
+                <a:shade val="50000"/>
+              </a:schemeClr>
+            </a:lnRef>
+            <a:fillRef idx="1">
+              <a:schemeClr val="accent1"/>
+            </a:fillRef>
+            <a:effectRef idx="0">
+              <a:schemeClr val="accent1"/>
+            </a:effectRef>
+            <a:fontRef idx="minor">
+              <a:schemeClr val="lt1"/>
+            </a:fontRef>
+          </p:style>
+          <p:txBody>
+            <a:bodyPr rtlCol="0" anchor="ctr"/>
+            <a:lstStyle/>
+            <a:p>
+              <a:pPr algn="ctr"/>
+              <a:endParaRPr lang="en-US"/>
+            </a:p>
+          </p:txBody>
+        </p:sp>
+        <p:cxnSp>
+          <p:nvCxnSpPr>
+            <p:cNvPr id="52" name="Straight Connector 51">
+              <a:extLst>
+                <a:ext uri="{FF2B5EF4-FFF2-40B4-BE49-F238E27FC236}">
+                  <a16:creationId xmlns:a16="http://schemas.microsoft.com/office/drawing/2014/main" id="{920A3179-E363-A644-97FD-A24866BF2058}"/>
+                </a:ext>
+              </a:extLst>
+            </p:cNvPr>
+            <p:cNvCxnSpPr/>
+            <p:nvPr/>
+          </p:nvCxnSpPr>
+          <p:spPr>
+            <a:xfrm>
+              <a:off x="525781" y="2132101"/>
+              <a:ext cx="644417" cy="0"/>
+            </a:xfrm>
+            <a:prstGeom prst="line">
+              <a:avLst/>
+            </a:prstGeom>
+            <a:ln w="38100">
+              <a:solidFill>
+                <a:schemeClr val="tx1"/>
+              </a:solidFill>
+            </a:ln>
+          </p:spPr>
+          <p:style>
+            <a:lnRef idx="1">
+              <a:schemeClr val="accent1"/>
+            </a:lnRef>
+            <a:fillRef idx="0">
+              <a:schemeClr val="accent1"/>
+            </a:fillRef>
+            <a:effectRef idx="0">
+              <a:schemeClr val="accent1"/>
+            </a:effectRef>
+            <a:fontRef idx="minor">
+              <a:schemeClr val="tx1"/>
+            </a:fontRef>
+          </p:style>
+        </p:cxnSp>
+        <p:cxnSp>
+          <p:nvCxnSpPr>
+            <p:cNvPr id="53" name="Straight Connector 52">
+              <a:extLst>
+                <a:ext uri="{FF2B5EF4-FFF2-40B4-BE49-F238E27FC236}">
+                  <a16:creationId xmlns:a16="http://schemas.microsoft.com/office/drawing/2014/main" id="{A551FEB3-D0A3-964C-A063-6E20CA224690}"/>
+                </a:ext>
+              </a:extLst>
+            </p:cNvPr>
+            <p:cNvCxnSpPr/>
+            <p:nvPr/>
+          </p:nvCxnSpPr>
+          <p:spPr>
+            <a:xfrm>
+              <a:off x="525781" y="2235393"/>
+              <a:ext cx="644417" cy="0"/>
+            </a:xfrm>
+            <a:prstGeom prst="line">
+              <a:avLst/>
+            </a:prstGeom>
+            <a:ln w="38100">
+              <a:solidFill>
+                <a:schemeClr val="tx1"/>
+              </a:solidFill>
+            </a:ln>
+          </p:spPr>
+          <p:style>
+            <a:lnRef idx="1">
+              <a:schemeClr val="accent1"/>
+            </a:lnRef>
+            <a:fillRef idx="0">
+              <a:schemeClr val="accent1"/>
+            </a:fillRef>
+            <a:effectRef idx="0">
+              <a:schemeClr val="accent1"/>
+            </a:effectRef>
+            <a:fontRef idx="minor">
+              <a:schemeClr val="tx1"/>
+            </a:fontRef>
+          </p:style>
+        </p:cxnSp>
+        <p:cxnSp>
+          <p:nvCxnSpPr>
+            <p:cNvPr id="54" name="Straight Connector 53">
+              <a:extLst>
+                <a:ext uri="{FF2B5EF4-FFF2-40B4-BE49-F238E27FC236}">
+                  <a16:creationId xmlns:a16="http://schemas.microsoft.com/office/drawing/2014/main" id="{4A9A9D94-D636-0F42-AAD0-5EED4B5595B5}"/>
+                </a:ext>
+              </a:extLst>
+            </p:cNvPr>
+            <p:cNvCxnSpPr/>
+            <p:nvPr/>
+          </p:nvCxnSpPr>
+          <p:spPr>
+            <a:xfrm>
+              <a:off x="525781" y="2338685"/>
+              <a:ext cx="644417" cy="0"/>
+            </a:xfrm>
+            <a:prstGeom prst="line">
+              <a:avLst/>
+            </a:prstGeom>
+            <a:ln w="38100">
+              <a:solidFill>
+                <a:schemeClr val="tx1"/>
+              </a:solidFill>
+            </a:ln>
+          </p:spPr>
+          <p:style>
+            <a:lnRef idx="1">
+              <a:schemeClr val="accent1"/>
+            </a:lnRef>
+            <a:fillRef idx="0">
+              <a:schemeClr val="accent1"/>
+            </a:fillRef>
+            <a:effectRef idx="0">
+              <a:schemeClr val="accent1"/>
+            </a:effectRef>
+            <a:fontRef idx="minor">
+              <a:schemeClr val="tx1"/>
+            </a:fontRef>
+          </p:style>
+        </p:cxnSp>
+        <p:sp>
+          <p:nvSpPr>
+            <p:cNvPr id="55" name="Rectangle 54">
+              <a:extLst>
+                <a:ext uri="{FF2B5EF4-FFF2-40B4-BE49-F238E27FC236}">
+                  <a16:creationId xmlns:a16="http://schemas.microsoft.com/office/drawing/2014/main" id="{BA927E96-0EA7-F041-B217-60FEEEF6A859}"/>
+                </a:ext>
+              </a:extLst>
+            </p:cNvPr>
+            <p:cNvSpPr/>
+            <p:nvPr/>
+          </p:nvSpPr>
+          <p:spPr>
+            <a:xfrm>
+              <a:off x="1379652" y="2156226"/>
+              <a:ext cx="126696" cy="149682"/>
+            </a:xfrm>
+            <a:prstGeom prst="rect">
+              <a:avLst/>
+            </a:prstGeom>
+            <a:noFill/>
+            <a:ln w="38100">
+              <a:solidFill>
+                <a:schemeClr val="tx1"/>
+              </a:solidFill>
+            </a:ln>
+          </p:spPr>
+          <p:style>
+            <a:lnRef idx="2">
+              <a:schemeClr val="accent1">
+                <a:shade val="50000"/>
+              </a:schemeClr>
+            </a:lnRef>
+            <a:fillRef idx="1">
+              <a:schemeClr val="accent1"/>
+            </a:fillRef>
+            <a:effectRef idx="0">
+              <a:schemeClr val="accent1"/>
+            </a:effectRef>
+            <a:fontRef idx="minor">
+              <a:schemeClr val="lt1"/>
+            </a:fontRef>
+          </p:style>
+          <p:txBody>
+            <a:bodyPr rtlCol="0" anchor="ctr"/>
+            <a:lstStyle/>
+            <a:p>
+              <a:pPr algn="ctr"/>
+              <a:endParaRPr lang="en-US"/>
+            </a:p>
+          </p:txBody>
+        </p:sp>
+      </p:grpSp>
+      <p:grpSp>
+        <p:nvGrpSpPr>
+          <p:cNvPr id="56" name="Group 55">
+            <a:extLst>
+              <a:ext uri="{FF2B5EF4-FFF2-40B4-BE49-F238E27FC236}">
+                <a16:creationId xmlns:a16="http://schemas.microsoft.com/office/drawing/2014/main" id="{AA9C51EA-B573-DC4B-BE05-39EB5628EE0C}"/>
+              </a:ext>
+            </a:extLst>
+          </p:cNvPr>
+          <p:cNvGrpSpPr/>
+          <p:nvPr/>
+        </p:nvGrpSpPr>
+        <p:grpSpPr>
+          <a:xfrm>
+            <a:off x="9206149" y="1603304"/>
+            <a:ext cx="2602861" cy="5107276"/>
+            <a:chOff x="9206149" y="1603304"/>
+            <a:chExt cx="2602861" cy="5107276"/>
+          </a:xfrm>
+        </p:grpSpPr>
+        <p:grpSp>
+          <p:nvGrpSpPr>
+            <p:cNvPr id="57" name="Group 56">
+              <a:extLst>
+                <a:ext uri="{FF2B5EF4-FFF2-40B4-BE49-F238E27FC236}">
+                  <a16:creationId xmlns:a16="http://schemas.microsoft.com/office/drawing/2014/main" id="{C9B7EC35-B524-0447-89B3-50A981BBE58C}"/>
+                </a:ext>
+              </a:extLst>
+            </p:cNvPr>
+            <p:cNvGrpSpPr/>
+            <p:nvPr/>
+          </p:nvGrpSpPr>
+          <p:grpSpPr>
+            <a:xfrm>
+              <a:off x="9687079" y="4541030"/>
+              <a:ext cx="1704844" cy="1296572"/>
+              <a:chOff x="9687079" y="3837211"/>
+              <a:chExt cx="1704844" cy="1296572"/>
+            </a:xfrm>
+          </p:grpSpPr>
+          <p:pic>
+            <p:nvPicPr>
+              <p:cNvPr id="65" name="Picture 64">
+                <a:extLst>
+                  <a:ext uri="{FF2B5EF4-FFF2-40B4-BE49-F238E27FC236}">
+                    <a16:creationId xmlns:a16="http://schemas.microsoft.com/office/drawing/2014/main" id="{4110C073-6FD5-BE4F-817F-806AAAC7BBB3}"/>
+                  </a:ext>
+                </a:extLst>
+              </p:cNvPr>
+              <p:cNvPicPr>
+                <a:picLocks noChangeAspect="1"/>
+              </p:cNvPicPr>
+              <p:nvPr/>
+            </p:nvPicPr>
+            <p:blipFill>
+              <a:blip r:embed="rId6"/>
+              <a:stretch>
+                <a:fillRect/>
+              </a:stretch>
+            </p:blipFill>
+            <p:spPr>
+              <a:xfrm>
+                <a:off x="9687079" y="4285748"/>
+                <a:ext cx="730407" cy="616578"/>
+              </a:xfrm>
+              <a:prstGeom prst="rect">
+                <a:avLst/>
+              </a:prstGeom>
+            </p:spPr>
+          </p:pic>
+          <p:pic>
+            <p:nvPicPr>
+              <p:cNvPr id="66" name="Picture 65">
+                <a:extLst>
+                  <a:ext uri="{FF2B5EF4-FFF2-40B4-BE49-F238E27FC236}">
+                    <a16:creationId xmlns:a16="http://schemas.microsoft.com/office/drawing/2014/main" id="{68DB22BF-A3F1-4B41-8B41-15FA573CDDC7}"/>
+                  </a:ext>
+                </a:extLst>
+              </p:cNvPr>
+              <p:cNvPicPr>
+                <a:picLocks noChangeAspect="1"/>
+              </p:cNvPicPr>
+              <p:nvPr/>
+            </p:nvPicPr>
+            <p:blipFill>
+              <a:blip r:embed="rId6"/>
+              <a:stretch>
+                <a:fillRect/>
+              </a:stretch>
+            </p:blipFill>
+            <p:spPr>
+              <a:xfrm>
+                <a:off x="10173456" y="4011928"/>
+                <a:ext cx="730407" cy="616578"/>
+              </a:xfrm>
+              <a:prstGeom prst="rect">
+                <a:avLst/>
+              </a:prstGeom>
+            </p:spPr>
+          </p:pic>
+          <p:pic>
+            <p:nvPicPr>
+              <p:cNvPr id="67" name="Picture 66">
+                <a:extLst>
+                  <a:ext uri="{FF2B5EF4-FFF2-40B4-BE49-F238E27FC236}">
+                    <a16:creationId xmlns:a16="http://schemas.microsoft.com/office/drawing/2014/main" id="{4B77E993-6BAB-4542-B3BD-6D294CC857F6}"/>
+                  </a:ext>
+                </a:extLst>
+              </p:cNvPr>
+              <p:cNvPicPr>
+                <a:picLocks noChangeAspect="1"/>
+              </p:cNvPicPr>
+              <p:nvPr/>
+            </p:nvPicPr>
+            <p:blipFill>
+              <a:blip r:embed="rId6"/>
+              <a:stretch>
+                <a:fillRect/>
+              </a:stretch>
+            </p:blipFill>
+            <p:spPr>
+              <a:xfrm>
+                <a:off x="10661516" y="3837211"/>
+                <a:ext cx="730407" cy="616578"/>
+              </a:xfrm>
+              <a:prstGeom prst="rect">
+                <a:avLst/>
+              </a:prstGeom>
+            </p:spPr>
+          </p:pic>
+          <p:pic>
+            <p:nvPicPr>
+              <p:cNvPr id="68" name="Picture 67">
+                <a:extLst>
+                  <a:ext uri="{FF2B5EF4-FFF2-40B4-BE49-F238E27FC236}">
+                    <a16:creationId xmlns:a16="http://schemas.microsoft.com/office/drawing/2014/main" id="{6722A62B-8B87-104F-A288-BBE10110712D}"/>
+                  </a:ext>
+                </a:extLst>
+              </p:cNvPr>
+              <p:cNvPicPr>
+                <a:picLocks noChangeAspect="1"/>
+              </p:cNvPicPr>
+              <p:nvPr/>
+            </p:nvPicPr>
+            <p:blipFill>
+              <a:blip r:embed="rId7"/>
+              <a:stretch>
+                <a:fillRect/>
+              </a:stretch>
+            </p:blipFill>
+            <p:spPr>
+              <a:xfrm>
+                <a:off x="9976835" y="4472664"/>
+                <a:ext cx="1279207" cy="661119"/>
+              </a:xfrm>
+              <a:prstGeom prst="rect">
+                <a:avLst/>
+              </a:prstGeom>
+            </p:spPr>
+          </p:pic>
+        </p:grpSp>
+        <p:grpSp>
+          <p:nvGrpSpPr>
+            <p:cNvPr id="58" name="Group 57">
+              <a:extLst>
+                <a:ext uri="{FF2B5EF4-FFF2-40B4-BE49-F238E27FC236}">
+                  <a16:creationId xmlns:a16="http://schemas.microsoft.com/office/drawing/2014/main" id="{36A34830-7F7B-7346-B83E-F45FA130F1CF}"/>
+                </a:ext>
+              </a:extLst>
+            </p:cNvPr>
+            <p:cNvGrpSpPr/>
+            <p:nvPr/>
+          </p:nvGrpSpPr>
+          <p:grpSpPr>
+            <a:xfrm>
+              <a:off x="9717893" y="2306876"/>
+              <a:ext cx="1674030" cy="1422185"/>
+              <a:chOff x="2015855" y="2111476"/>
+              <a:chExt cx="4305300" cy="3657600"/>
+            </a:xfrm>
+          </p:grpSpPr>
+          <p:pic>
+            <p:nvPicPr>
+              <p:cNvPr id="63" name="Picture 62">
+                <a:extLst>
+                  <a:ext uri="{FF2B5EF4-FFF2-40B4-BE49-F238E27FC236}">
+                    <a16:creationId xmlns:a16="http://schemas.microsoft.com/office/drawing/2014/main" id="{D2FA7491-9014-404B-B617-5E826E924E5C}"/>
+                  </a:ext>
+                </a:extLst>
+              </p:cNvPr>
+              <p:cNvPicPr>
+                <a:picLocks noChangeAspect="1"/>
+              </p:cNvPicPr>
+              <p:nvPr/>
+            </p:nvPicPr>
+            <p:blipFill>
+              <a:blip r:embed="rId8"/>
+              <a:stretch>
+                <a:fillRect/>
+              </a:stretch>
+            </p:blipFill>
+            <p:spPr>
+              <a:xfrm>
+                <a:off x="2015855" y="2111476"/>
+                <a:ext cx="4305300" cy="3657600"/>
+              </a:xfrm>
+              <a:prstGeom prst="rect">
+                <a:avLst/>
+              </a:prstGeom>
+              <a:ln w="25400">
+                <a:solidFill>
+                  <a:schemeClr val="accent1"/>
+                </a:solidFill>
+              </a:ln>
+            </p:spPr>
+          </p:pic>
+          <p:pic>
+            <p:nvPicPr>
+              <p:cNvPr id="64" name="Picture 63">
+                <a:extLst>
+                  <a:ext uri="{FF2B5EF4-FFF2-40B4-BE49-F238E27FC236}">
+                    <a16:creationId xmlns:a16="http://schemas.microsoft.com/office/drawing/2014/main" id="{18851F84-89EA-0444-BBEF-3F1B74745E5C}"/>
+                  </a:ext>
+                </a:extLst>
+              </p:cNvPr>
+              <p:cNvPicPr>
+                <a:picLocks noChangeAspect="1"/>
+              </p:cNvPicPr>
+              <p:nvPr/>
+            </p:nvPicPr>
+            <p:blipFill>
+              <a:blip r:embed="rId9"/>
+              <a:stretch>
+                <a:fillRect/>
+              </a:stretch>
+            </p:blipFill>
+            <p:spPr>
+              <a:xfrm>
+                <a:off x="3874561" y="5248580"/>
+                <a:ext cx="2298700" cy="342900"/>
+              </a:xfrm>
+              <a:prstGeom prst="rect">
+                <a:avLst/>
+              </a:prstGeom>
+              <a:ln>
+                <a:solidFill>
+                  <a:schemeClr val="accent1"/>
+                </a:solidFill>
+              </a:ln>
+            </p:spPr>
+          </p:pic>
+        </p:grpSp>
+        <p:pic>
+          <p:nvPicPr>
+            <p:cNvPr id="59" name="Picture 58">
+              <a:extLst>
+                <a:ext uri="{FF2B5EF4-FFF2-40B4-BE49-F238E27FC236}">
+                  <a16:creationId xmlns:a16="http://schemas.microsoft.com/office/drawing/2014/main" id="{664208AA-5D7E-7D44-9FFD-975C0ADB5CE9}"/>
+                </a:ext>
+              </a:extLst>
+            </p:cNvPr>
+            <p:cNvPicPr>
+              <a:picLocks noChangeAspect="1"/>
+            </p:cNvPicPr>
+            <p:nvPr/>
+          </p:nvPicPr>
+          <p:blipFill>
+            <a:blip r:embed="rId7"/>
+            <a:stretch>
+              <a:fillRect/>
+            </a:stretch>
+          </p:blipFill>
+          <p:spPr>
+            <a:xfrm>
+              <a:off x="9872472" y="2005735"/>
+              <a:ext cx="1364871" cy="705392"/>
+            </a:xfrm>
+            <a:prstGeom prst="rect">
+              <a:avLst/>
+            </a:prstGeom>
+          </p:spPr>
+        </p:pic>
+        <p:sp>
+          <p:nvSpPr>
+            <p:cNvPr id="60" name="Title 1">
+              <a:extLst>
+                <a:ext uri="{FF2B5EF4-FFF2-40B4-BE49-F238E27FC236}">
+                  <a16:creationId xmlns:a16="http://schemas.microsoft.com/office/drawing/2014/main" id="{F41BD78D-2269-9648-9BCD-8C6BBAA092A4}"/>
+                </a:ext>
+              </a:extLst>
+            </p:cNvPr>
+            <p:cNvSpPr txBox="1">
+              <a:spLocks/>
+            </p:cNvSpPr>
+            <p:nvPr/>
+          </p:nvSpPr>
+          <p:spPr>
+            <a:xfrm>
+              <a:off x="9206149" y="5586519"/>
+              <a:ext cx="2508206" cy="1124061"/>
+            </a:xfrm>
+            <a:prstGeom prst="rect">
+              <a:avLst/>
+            </a:prstGeom>
+          </p:spPr>
+          <p:txBody>
+            <a:bodyPr vert="horz" lIns="91440" tIns="45720" rIns="91440" bIns="45720" rtlCol="0" anchor="b">
+              <a:noAutofit/>
+            </a:bodyPr>
+            <a:lstStyle>
+              <a:lvl1pPr algn="ctr" defTabSz="914400" rtl="0" eaLnBrk="1" latinLnBrk="0" hangingPunct="1">
+                <a:lnSpc>
+                  <a:spcPct val="90000"/>
+                </a:lnSpc>
+                <a:spcBef>
+                  <a:spcPct val="0"/>
+                </a:spcBef>
+                <a:buNone/>
+                <a:defRPr sz="6000" kern="1200">
+                  <a:solidFill>
+                    <a:schemeClr val="tx1"/>
+                  </a:solidFill>
+                  <a:latin typeface="+mj-lt"/>
+                  <a:ea typeface="+mj-ea"/>
+                  <a:cs typeface="+mj-cs"/>
+                </a:defRPr>
+              </a:lvl1pPr>
+            </a:lstStyle>
+            <a:p>
+              <a:r>
+                <a:rPr lang="en-US" sz="2400" b="1" dirty="0">
+                  <a:solidFill>
+                    <a:srgbClr val="0070C0"/>
+                  </a:solidFill>
+                </a:rPr>
+                <a:t>Folders with yaml config files</a:t>
+              </a:r>
+            </a:p>
+          </p:txBody>
+        </p:sp>
+        <p:sp>
+          <p:nvSpPr>
+            <p:cNvPr id="61" name="Title 1">
+              <a:extLst>
+                <a:ext uri="{FF2B5EF4-FFF2-40B4-BE49-F238E27FC236}">
+                  <a16:creationId xmlns:a16="http://schemas.microsoft.com/office/drawing/2014/main" id="{2EEA8902-C830-E04C-B245-9B25F939EED0}"/>
+                </a:ext>
+              </a:extLst>
+            </p:cNvPr>
+            <p:cNvSpPr txBox="1">
+              <a:spLocks/>
+            </p:cNvSpPr>
+            <p:nvPr/>
+          </p:nvSpPr>
+          <p:spPr>
+            <a:xfrm>
+              <a:off x="9300804" y="1603304"/>
+              <a:ext cx="2508206" cy="402432"/>
+            </a:xfrm>
+            <a:prstGeom prst="rect">
+              <a:avLst/>
+            </a:prstGeom>
+          </p:spPr>
+          <p:txBody>
+            <a:bodyPr vert="horz" lIns="91440" tIns="45720" rIns="91440" bIns="45720" rtlCol="0" anchor="b">
+              <a:noAutofit/>
+            </a:bodyPr>
+            <a:lstStyle>
+              <a:lvl1pPr algn="ctr" defTabSz="914400" rtl="0" eaLnBrk="1" latinLnBrk="0" hangingPunct="1">
+                <a:lnSpc>
+                  <a:spcPct val="90000"/>
+                </a:lnSpc>
+                <a:spcBef>
+                  <a:spcPct val="0"/>
+                </a:spcBef>
+                <a:buNone/>
+                <a:defRPr sz="6000" kern="1200">
+                  <a:solidFill>
+                    <a:schemeClr val="tx1"/>
+                  </a:solidFill>
+                  <a:latin typeface="+mj-lt"/>
+                  <a:ea typeface="+mj-ea"/>
+                  <a:cs typeface="+mj-cs"/>
+                </a:defRPr>
+              </a:lvl1pPr>
+            </a:lstStyle>
+            <a:p>
+              <a:r>
+                <a:rPr lang="en-US" sz="2400" b="1" dirty="0">
+                  <a:solidFill>
+                    <a:srgbClr val="0070C0"/>
+                  </a:solidFill>
+                </a:rPr>
+                <a:t>IBM Cloud Private</a:t>
+              </a:r>
+            </a:p>
+          </p:txBody>
+        </p:sp>
+        <p:sp>
+          <p:nvSpPr>
+            <p:cNvPr id="62" name="Title 1">
+              <a:extLst>
+                <a:ext uri="{FF2B5EF4-FFF2-40B4-BE49-F238E27FC236}">
+                  <a16:creationId xmlns:a16="http://schemas.microsoft.com/office/drawing/2014/main" id="{999ACC99-DDF7-044C-826B-73B580B8B8A3}"/>
+                </a:ext>
+              </a:extLst>
+            </p:cNvPr>
+            <p:cNvSpPr txBox="1">
+              <a:spLocks/>
+            </p:cNvSpPr>
+            <p:nvPr/>
+          </p:nvSpPr>
+          <p:spPr>
+            <a:xfrm>
+              <a:off x="9806312" y="3929071"/>
+              <a:ext cx="1464693" cy="456471"/>
+            </a:xfrm>
+            <a:prstGeom prst="rect">
+              <a:avLst/>
+            </a:prstGeom>
+          </p:spPr>
+          <p:txBody>
+            <a:bodyPr vert="horz" lIns="91440" tIns="45720" rIns="91440" bIns="45720" rtlCol="0" anchor="b">
+              <a:noAutofit/>
+            </a:bodyPr>
+            <a:lstStyle>
+              <a:lvl1pPr algn="ctr" defTabSz="914400" rtl="0" eaLnBrk="1" latinLnBrk="0" hangingPunct="1">
+                <a:lnSpc>
+                  <a:spcPct val="90000"/>
+                </a:lnSpc>
+                <a:spcBef>
+                  <a:spcPct val="0"/>
+                </a:spcBef>
+                <a:buNone/>
+                <a:defRPr sz="6000" kern="1200">
+                  <a:solidFill>
+                    <a:schemeClr val="tx1"/>
+                  </a:solidFill>
+                  <a:latin typeface="+mj-lt"/>
+                  <a:ea typeface="+mj-ea"/>
+                  <a:cs typeface="+mj-cs"/>
+                </a:defRPr>
+              </a:lvl1pPr>
+            </a:lstStyle>
+            <a:p>
+              <a:r>
+                <a:rPr lang="en-US" sz="2400" b="1" dirty="0">
+                  <a:solidFill>
+                    <a:srgbClr val="0070C0"/>
+                  </a:solidFill>
+                </a:rPr>
+                <a:t>and / or</a:t>
+              </a:r>
+            </a:p>
+          </p:txBody>
+        </p:sp>
+      </p:grpSp>
     </p:spTree>
     <p:extLst>
       <p:ext uri="{BB962C8B-B14F-4D97-AF65-F5344CB8AC3E}">
         <p14:creationId xmlns:p14="http://schemas.microsoft.com/office/powerpoint/2010/main" val="2788223392"/>
+      </p:ext>
+    </p:extLst>
+  </p:cSld>
+  <p:clrMapOvr>
+    <a:masterClrMapping/>
+  </p:clrMapOvr>
+</p:sld>
+</file>
+
+<file path=ppt/slides/slide4.xml><?xml version="1.0" encoding="utf-8"?>
+<p:sld xmlns:a="http://schemas.openxmlformats.org/drawingml/2006/main" xmlns:r="http://schemas.openxmlformats.org/officeDocument/2006/relationships" xmlns:p="http://schemas.openxmlformats.org/presentationml/2006/main">
+  <p:cSld>
+    <p:spTree>
+      <p:nvGrpSpPr>
+        <p:cNvPr id="1" name=""/>
+        <p:cNvGrpSpPr/>
+        <p:nvPr/>
+      </p:nvGrpSpPr>
+      <p:grpSpPr>
+        <a:xfrm>
+          <a:off x="0" y="0"/>
+          <a:ext cx="0" cy="0"/>
+          <a:chOff x="0" y="0"/>
+          <a:chExt cx="0" cy="0"/>
+        </a:xfrm>
+      </p:grpSpPr>
+      <p:sp>
+        <p:nvSpPr>
+          <p:cNvPr id="2" name="Title 1">
+            <a:extLst>
+              <a:ext uri="{FF2B5EF4-FFF2-40B4-BE49-F238E27FC236}">
+                <a16:creationId xmlns:a16="http://schemas.microsoft.com/office/drawing/2014/main" id="{88441B32-615D-EB45-ACCC-ABCBB5C45F85}"/>
+              </a:ext>
+            </a:extLst>
+          </p:cNvPr>
+          <p:cNvSpPr>
+            <a:spLocks noGrp="1"/>
+          </p:cNvSpPr>
+          <p:nvPr>
+            <p:ph type="title"/>
+          </p:nvPr>
+        </p:nvSpPr>
+        <p:spPr/>
+        <p:txBody>
+          <a:bodyPr>
+            <a:noAutofit/>
+          </a:bodyPr>
+          <a:lstStyle/>
+          <a:p>
+            <a:pPr algn="ctr"/>
+            <a:r>
+              <a:rPr lang="en-US" sz="6000" b="1" dirty="0">
+                <a:solidFill>
+                  <a:srgbClr val="0070C0"/>
+                </a:solidFill>
+              </a:rPr>
+              <a:t>VpK - Visual parsed Kubernetes Prerequisites</a:t>
+            </a:r>
+            <a:endParaRPr lang="en-US" sz="6000" dirty="0"/>
+          </a:p>
+        </p:txBody>
+      </p:sp>
+      <p:sp>
+        <p:nvSpPr>
+          <p:cNvPr id="3" name="Content Placeholder 2">
+            <a:extLst>
+              <a:ext uri="{FF2B5EF4-FFF2-40B4-BE49-F238E27FC236}">
+                <a16:creationId xmlns:a16="http://schemas.microsoft.com/office/drawing/2014/main" id="{E00B749E-81BA-4C4E-94E8-1BFDED3D87B9}"/>
+              </a:ext>
+            </a:extLst>
+          </p:cNvPr>
+          <p:cNvSpPr>
+            <a:spLocks noGrp="1"/>
+          </p:cNvSpPr>
+          <p:nvPr>
+            <p:ph idx="1"/>
+          </p:nvPr>
+        </p:nvSpPr>
+        <p:spPr>
+          <a:xfrm>
+            <a:off x="364273" y="1825625"/>
+            <a:ext cx="11500625" cy="4351338"/>
+          </a:xfrm>
+        </p:spPr>
+        <p:txBody>
+          <a:bodyPr/>
+          <a:lstStyle/>
+          <a:p>
+            <a:pPr marL="0" indent="0">
+              <a:buNone/>
+            </a:pPr>
+            <a:endParaRPr lang="en-US" b="1" dirty="0">
+              <a:solidFill>
+                <a:srgbClr val="0070C0"/>
+              </a:solidFill>
+            </a:endParaRPr>
+          </a:p>
+          <a:p>
+            <a:pPr marL="0" indent="0">
+              <a:buNone/>
+            </a:pPr>
+            <a:endParaRPr lang="en-US" b="1" dirty="0">
+              <a:solidFill>
+                <a:srgbClr val="0070C0"/>
+              </a:solidFill>
+            </a:endParaRPr>
+          </a:p>
+          <a:p>
+            <a:r>
+              <a:rPr lang="en-US" sz="4000" dirty="0">
+                <a:solidFill>
+                  <a:srgbClr val="0070C0"/>
+                </a:solidFill>
+              </a:rPr>
+              <a:t>Web browser that supports html version 5</a:t>
+            </a:r>
+          </a:p>
+          <a:p>
+            <a:r>
+              <a:rPr lang="en-US" sz="4000" dirty="0">
+                <a:solidFill>
+                  <a:srgbClr val="0070C0"/>
+                </a:solidFill>
+              </a:rPr>
+              <a:t>node js is required to run the server component</a:t>
+            </a:r>
+          </a:p>
+          <a:p>
+            <a:r>
+              <a:rPr lang="en-US" sz="4000" dirty="0">
+                <a:solidFill>
+                  <a:srgbClr val="0070C0"/>
+                </a:solidFill>
+              </a:rPr>
+              <a:t>npm is required to install required node js packages </a:t>
+            </a:r>
+          </a:p>
+          <a:p>
+            <a:r>
+              <a:rPr lang="en-US" sz="4000" dirty="0">
+                <a:solidFill>
+                  <a:srgbClr val="0070C0"/>
+                </a:solidFill>
+              </a:rPr>
+              <a:t>kubectl command line tool, this is invoked by the server </a:t>
+            </a:r>
+          </a:p>
+        </p:txBody>
+      </p:sp>
+    </p:spTree>
+    <p:extLst>
+      <p:ext uri="{BB962C8B-B14F-4D97-AF65-F5344CB8AC3E}">
+        <p14:creationId xmlns:p14="http://schemas.microsoft.com/office/powerpoint/2010/main" val="1839838098"/>
+      </p:ext>
+    </p:extLst>
+  </p:cSld>
+  <p:clrMapOvr>
+    <a:masterClrMapping/>
+  </p:clrMapOvr>
+</p:sld>
+</file>
+
+<file path=ppt/slides/slide5.xml><?xml version="1.0" encoding="utf-8"?>
+<p:sld xmlns:a="http://schemas.openxmlformats.org/drawingml/2006/main" xmlns:r="http://schemas.openxmlformats.org/officeDocument/2006/relationships" xmlns:p="http://schemas.openxmlformats.org/presentationml/2006/main">
+  <p:cSld>
+    <p:spTree>
+      <p:nvGrpSpPr>
+        <p:cNvPr id="1" name=""/>
+        <p:cNvGrpSpPr/>
+        <p:nvPr/>
+      </p:nvGrpSpPr>
+      <p:grpSpPr>
+        <a:xfrm>
+          <a:off x="0" y="0"/>
+          <a:ext cx="0" cy="0"/>
+          <a:chOff x="0" y="0"/>
+          <a:chExt cx="0" cy="0"/>
+        </a:xfrm>
+      </p:grpSpPr>
+      <p:sp>
+        <p:nvSpPr>
+          <p:cNvPr id="2" name="Title 1">
+            <a:extLst>
+              <a:ext uri="{FF2B5EF4-FFF2-40B4-BE49-F238E27FC236}">
+                <a16:creationId xmlns:a16="http://schemas.microsoft.com/office/drawing/2014/main" id="{88441B32-615D-EB45-ACCC-ABCBB5C45F85}"/>
+              </a:ext>
+            </a:extLst>
+          </p:cNvPr>
+          <p:cNvSpPr>
+            <a:spLocks noGrp="1"/>
+          </p:cNvSpPr>
+          <p:nvPr>
+            <p:ph type="title"/>
+          </p:nvPr>
+        </p:nvSpPr>
+        <p:spPr/>
+        <p:txBody>
+          <a:bodyPr>
+            <a:noAutofit/>
+          </a:bodyPr>
+          <a:lstStyle/>
+          <a:p>
+            <a:pPr algn="ctr"/>
+            <a:r>
+              <a:rPr lang="en-US" sz="6000" b="1" dirty="0">
+                <a:solidFill>
+                  <a:srgbClr val="0070C0"/>
+                </a:solidFill>
+              </a:rPr>
+              <a:t>VpK - Visual parsed Kubernetes Getting started</a:t>
+            </a:r>
+            <a:endParaRPr lang="en-US" sz="6000" dirty="0"/>
+          </a:p>
+        </p:txBody>
+      </p:sp>
+      <p:sp>
+        <p:nvSpPr>
+          <p:cNvPr id="3" name="Content Placeholder 2">
+            <a:extLst>
+              <a:ext uri="{FF2B5EF4-FFF2-40B4-BE49-F238E27FC236}">
+                <a16:creationId xmlns:a16="http://schemas.microsoft.com/office/drawing/2014/main" id="{E00B749E-81BA-4C4E-94E8-1BFDED3D87B9}"/>
+              </a:ext>
+            </a:extLst>
+          </p:cNvPr>
+          <p:cNvSpPr>
+            <a:spLocks noGrp="1"/>
+          </p:cNvSpPr>
+          <p:nvPr>
+            <p:ph idx="1"/>
+          </p:nvPr>
+        </p:nvSpPr>
+        <p:spPr>
+          <a:xfrm>
+            <a:off x="364273" y="1825625"/>
+            <a:ext cx="11500625" cy="4351338"/>
+          </a:xfrm>
+        </p:spPr>
+        <p:txBody>
+          <a:bodyPr/>
+          <a:lstStyle/>
+          <a:p>
+            <a:pPr marL="0" indent="0">
+              <a:buNone/>
+            </a:pPr>
+            <a:endParaRPr lang="en-US" b="1" dirty="0">
+              <a:solidFill>
+                <a:srgbClr val="0070C0"/>
+              </a:solidFill>
+            </a:endParaRPr>
+          </a:p>
+          <a:p>
+            <a:pPr marL="0" indent="0">
+              <a:buNone/>
+            </a:pPr>
+            <a:endParaRPr lang="en-US" b="1" dirty="0">
+              <a:solidFill>
+                <a:srgbClr val="0070C0"/>
+              </a:solidFill>
+            </a:endParaRPr>
+          </a:p>
+          <a:p>
+            <a:pPr marL="0" indent="0">
+              <a:buNone/>
+            </a:pPr>
+            <a:r>
+              <a:rPr lang="en-US" sz="4000" dirty="0">
+                <a:solidFill>
+                  <a:srgbClr val="0070C0"/>
+                </a:solidFill>
+              </a:rPr>
+              <a:t>Clone or download source code from GitHub link: </a:t>
+            </a:r>
+          </a:p>
+          <a:p>
+            <a:pPr marL="0" indent="0">
+              <a:buNone/>
+            </a:pPr>
+            <a:endParaRPr lang="en-US" sz="4000" dirty="0">
+              <a:solidFill>
+                <a:srgbClr val="0070C0"/>
+              </a:solidFill>
+            </a:endParaRPr>
+          </a:p>
+          <a:p>
+            <a:pPr marL="0" indent="0" algn="ctr">
+              <a:buNone/>
+            </a:pPr>
+            <a:r>
+              <a:rPr lang="en-US" sz="4000" dirty="0">
+                <a:solidFill>
+                  <a:srgbClr val="0070C0"/>
+                </a:solidFill>
+              </a:rPr>
+              <a:t>https://github.com/IBM-ICP-CoC/VpK</a:t>
+            </a:r>
+          </a:p>
+        </p:txBody>
+      </p:sp>
+    </p:spTree>
+    <p:extLst>
+      <p:ext uri="{BB962C8B-B14F-4D97-AF65-F5344CB8AC3E}">
+        <p14:creationId xmlns:p14="http://schemas.microsoft.com/office/powerpoint/2010/main" val="3580656143"/>
+      </p:ext>
+    </p:extLst>
+  </p:cSld>
+  <p:clrMapOvr>
+    <a:masterClrMapping/>
+  </p:clrMapOvr>
+</p:sld>
+</file>
+
+<file path=ppt/slides/slide6.xml><?xml version="1.0" encoding="utf-8"?>
+<p:sld xmlns:a="http://schemas.openxmlformats.org/drawingml/2006/main" xmlns:r="http://schemas.openxmlformats.org/officeDocument/2006/relationships" xmlns:p="http://schemas.openxmlformats.org/presentationml/2006/main">
+  <p:cSld>
+    <p:spTree>
+      <p:nvGrpSpPr>
+        <p:cNvPr id="1" name=""/>
+        <p:cNvGrpSpPr/>
+        <p:nvPr/>
+      </p:nvGrpSpPr>
+      <p:grpSpPr>
+        <a:xfrm>
+          <a:off x="0" y="0"/>
+          <a:ext cx="0" cy="0"/>
+          <a:chOff x="0" y="0"/>
+          <a:chExt cx="0" cy="0"/>
+        </a:xfrm>
+      </p:grpSpPr>
+      <p:sp>
+        <p:nvSpPr>
+          <p:cNvPr id="2" name="Title 1">
+            <a:extLst>
+              <a:ext uri="{FF2B5EF4-FFF2-40B4-BE49-F238E27FC236}">
+                <a16:creationId xmlns:a16="http://schemas.microsoft.com/office/drawing/2014/main" id="{88441B32-615D-EB45-ACCC-ABCBB5C45F85}"/>
+              </a:ext>
+            </a:extLst>
+          </p:cNvPr>
+          <p:cNvSpPr>
+            <a:spLocks noGrp="1"/>
+          </p:cNvSpPr>
+          <p:nvPr>
+            <p:ph type="title"/>
+          </p:nvPr>
+        </p:nvSpPr>
+        <p:spPr/>
+        <p:txBody>
+          <a:bodyPr>
+            <a:noAutofit/>
+          </a:bodyPr>
+          <a:lstStyle/>
+          <a:p>
+            <a:pPr algn="ctr"/>
+            <a:r>
+              <a:rPr lang="en-US" sz="6000" b="1" dirty="0">
+                <a:solidFill>
+                  <a:srgbClr val="0070C0"/>
+                </a:solidFill>
+              </a:rPr>
+              <a:t>VpK - Visual parsed Kubernetes User Guide</a:t>
+            </a:r>
+            <a:endParaRPr lang="en-US" sz="6000" dirty="0"/>
+          </a:p>
+        </p:txBody>
+      </p:sp>
+      <p:sp>
+        <p:nvSpPr>
+          <p:cNvPr id="3" name="Content Placeholder 2">
+            <a:extLst>
+              <a:ext uri="{FF2B5EF4-FFF2-40B4-BE49-F238E27FC236}">
+                <a16:creationId xmlns:a16="http://schemas.microsoft.com/office/drawing/2014/main" id="{E00B749E-81BA-4C4E-94E8-1BFDED3D87B9}"/>
+              </a:ext>
+            </a:extLst>
+          </p:cNvPr>
+          <p:cNvSpPr>
+            <a:spLocks noGrp="1"/>
+          </p:cNvSpPr>
+          <p:nvPr>
+            <p:ph idx="1"/>
+          </p:nvPr>
+        </p:nvSpPr>
+        <p:spPr>
+          <a:xfrm>
+            <a:off x="364273" y="1825625"/>
+            <a:ext cx="11500625" cy="4351338"/>
+          </a:xfrm>
+        </p:spPr>
+        <p:txBody>
+          <a:bodyPr/>
+          <a:lstStyle/>
+          <a:p>
+            <a:pPr marL="0" indent="0">
+              <a:buNone/>
+            </a:pPr>
+            <a:endParaRPr lang="en-US" b="1" dirty="0">
+              <a:solidFill>
+                <a:srgbClr val="0070C0"/>
+              </a:solidFill>
+            </a:endParaRPr>
+          </a:p>
+          <a:p>
+            <a:pPr marL="0" indent="0">
+              <a:buNone/>
+            </a:pPr>
+            <a:endParaRPr lang="en-US" b="1" dirty="0">
+              <a:solidFill>
+                <a:srgbClr val="0070C0"/>
+              </a:solidFill>
+            </a:endParaRPr>
+          </a:p>
+          <a:p>
+            <a:pPr marL="0" indent="0">
+              <a:buNone/>
+            </a:pPr>
+            <a:r>
+              <a:rPr lang="en-US" sz="4000" dirty="0">
+                <a:solidFill>
+                  <a:srgbClr val="0070C0"/>
+                </a:solidFill>
+              </a:rPr>
+              <a:t>The user guide and installation documentation is available at the same GitHub link: </a:t>
+            </a:r>
+          </a:p>
+          <a:p>
+            <a:pPr marL="0" indent="0">
+              <a:buNone/>
+            </a:pPr>
+            <a:endParaRPr lang="en-US" sz="4000" dirty="0">
+              <a:solidFill>
+                <a:srgbClr val="0070C0"/>
+              </a:solidFill>
+            </a:endParaRPr>
+          </a:p>
+          <a:p>
+            <a:pPr marL="0" indent="0" algn="ctr">
+              <a:buNone/>
+            </a:pPr>
+            <a:r>
+              <a:rPr lang="en-US" sz="4000" dirty="0">
+                <a:solidFill>
+                  <a:srgbClr val="0070C0"/>
+                </a:solidFill>
+              </a:rPr>
+              <a:t>https://github.com/IBM-ICP-CoC/VpK</a:t>
+            </a:r>
+          </a:p>
+        </p:txBody>
+      </p:sp>
+    </p:spTree>
+    <p:extLst>
+      <p:ext uri="{BB962C8B-B14F-4D97-AF65-F5344CB8AC3E}">
+        <p14:creationId xmlns:p14="http://schemas.microsoft.com/office/powerpoint/2010/main" val="1827903176"/>
       </p:ext>
     </p:extLst>
   </p:cSld>
@@ -4481,4 +6110,299 @@
     </a:ext>
   </a:extLst>
 </a:theme>
+</file>
+
+<file path=ppt/theme/theme2.xml><?xml version="1.0" encoding="utf-8"?>
+<a:theme xmlns:a="http://schemas.openxmlformats.org/drawingml/2006/main" name="Office Theme">
+  <a:themeElements>
+    <a:clrScheme name="Office">
+      <a:dk1>
+        <a:sysClr val="windowText" lastClr="000000"/>
+      </a:dk1>
+      <a:lt1>
+        <a:sysClr val="window" lastClr="FFFFFF"/>
+      </a:lt1>
+      <a:dk2>
+        <a:srgbClr val="44546A"/>
+      </a:dk2>
+      <a:lt2>
+        <a:srgbClr val="E7E6E6"/>
+      </a:lt2>
+      <a:accent1>
+        <a:srgbClr val="4472C4"/>
+      </a:accent1>
+      <a:accent2>
+        <a:srgbClr val="ED7D31"/>
+      </a:accent2>
+      <a:accent3>
+        <a:srgbClr val="A5A5A5"/>
+      </a:accent3>
+      <a:accent4>
+        <a:srgbClr val="FFC000"/>
+      </a:accent4>
+      <a:accent5>
+        <a:srgbClr val="5B9BD5"/>
+      </a:accent5>
+      <a:accent6>
+        <a:srgbClr val="70AD47"/>
+      </a:accent6>
+      <a:hlink>
+        <a:srgbClr val="0563C1"/>
+      </a:hlink>
+      <a:folHlink>
+        <a:srgbClr val="954F72"/>
+      </a:folHlink>
+    </a:clrScheme>
+    <a:fontScheme name="Office">
+      <a:majorFont>
+        <a:latin typeface="Calibri Light" panose="020F0302020204030204"/>
+        <a:ea typeface=""/>
+        <a:cs typeface=""/>
+        <a:font script="Jpan" typeface="游ゴシック Light"/>
+        <a:font script="Hang" typeface="맑은 고딕"/>
+        <a:font script="Hans" typeface="等线 Light"/>
+        <a:font script="Hant" typeface="新細明體"/>
+        <a:font script="Arab" typeface="Times New Roman"/>
+        <a:font script="Hebr" typeface="Times New Roman"/>
+        <a:font script="Thai" typeface="Angsana New"/>
+        <a:font script="Ethi" typeface="Nyala"/>
+        <a:font script="Beng" typeface="Vrinda"/>
+        <a:font script="Gujr" typeface="Shruti"/>
+        <a:font script="Khmr" typeface="MoolBoran"/>
+        <a:font script="Knda" typeface="Tunga"/>
+        <a:font script="Guru" typeface="Raavi"/>
+        <a:font script="Cans" typeface="Euphemia"/>
+        <a:font script="Cher" typeface="Plantagenet Cherokee"/>
+        <a:font script="Yiii" typeface="Microsoft Yi Baiti"/>
+        <a:font script="Tibt" typeface="Microsoft Himalaya"/>
+        <a:font script="Thaa" typeface="MV Boli"/>
+        <a:font script="Deva" typeface="Mangal"/>
+        <a:font script="Telu" typeface="Gautami"/>
+        <a:font script="Taml" typeface="Latha"/>
+        <a:font script="Syrc" typeface="Estrangelo Edessa"/>
+        <a:font script="Orya" typeface="Kalinga"/>
+        <a:font script="Mlym" typeface="Kartika"/>
+        <a:font script="Laoo" typeface="DokChampa"/>
+        <a:font script="Sinh" typeface="Iskoola Pota"/>
+        <a:font script="Mong" typeface="Mongolian Baiti"/>
+        <a:font script="Viet" typeface="Times New Roman"/>
+        <a:font script="Uigh" typeface="Microsoft Uighur"/>
+        <a:font script="Geor" typeface="Sylfaen"/>
+        <a:font script="Armn" typeface="Arial"/>
+        <a:font script="Bugi" typeface="Leelawadee UI"/>
+        <a:font script="Bopo" typeface="Microsoft JhengHei"/>
+        <a:font script="Java" typeface="Javanese Text"/>
+        <a:font script="Lisu" typeface="Segoe UI"/>
+        <a:font script="Mymr" typeface="Myanmar Text"/>
+        <a:font script="Nkoo" typeface="Ebrima"/>
+        <a:font script="Olck" typeface="Nirmala UI"/>
+        <a:font script="Osma" typeface="Ebrima"/>
+        <a:font script="Phag" typeface="Phagspa"/>
+        <a:font script="Syrn" typeface="Estrangelo Edessa"/>
+        <a:font script="Syrj" typeface="Estrangelo Edessa"/>
+        <a:font script="Syre" typeface="Estrangelo Edessa"/>
+        <a:font script="Sora" typeface="Nirmala UI"/>
+        <a:font script="Tale" typeface="Microsoft Tai Le"/>
+        <a:font script="Talu" typeface="Microsoft New Tai Lue"/>
+        <a:font script="Tfng" typeface="Ebrima"/>
+      </a:majorFont>
+      <a:minorFont>
+        <a:latin typeface="Calibri" panose="020F0502020204030204"/>
+        <a:ea typeface=""/>
+        <a:cs typeface=""/>
+        <a:font script="Jpan" typeface="游ゴシック"/>
+        <a:font script="Hang" typeface="맑은 고딕"/>
+        <a:font script="Hans" typeface="等线"/>
+        <a:font script="Hant" typeface="新細明體"/>
+        <a:font script="Arab" typeface="Arial"/>
+        <a:font script="Hebr" typeface="Arial"/>
+        <a:font script="Thai" typeface="Cordia New"/>
+        <a:font script="Ethi" typeface="Nyala"/>
+        <a:font script="Beng" typeface="Vrinda"/>
+        <a:font script="Gujr" typeface="Shruti"/>
+        <a:font script="Khmr" typeface="DaunPenh"/>
+        <a:font script="Knda" typeface="Tunga"/>
+        <a:font script="Guru" typeface="Raavi"/>
+        <a:font script="Cans" typeface="Euphemia"/>
+        <a:font script="Cher" typeface="Plantagenet Cherokee"/>
+        <a:font script="Yiii" typeface="Microsoft Yi Baiti"/>
+        <a:font script="Tibt" typeface="Microsoft Himalaya"/>
+        <a:font script="Thaa" typeface="MV Boli"/>
+        <a:font script="Deva" typeface="Mangal"/>
+        <a:font script="Telu" typeface="Gautami"/>
+        <a:font script="Taml" typeface="Latha"/>
+        <a:font script="Syrc" typeface="Estrangelo Edessa"/>
+        <a:font script="Orya" typeface="Kalinga"/>
+        <a:font script="Mlym" typeface="Kartika"/>
+        <a:font script="Laoo" typeface="DokChampa"/>
+        <a:font script="Sinh" typeface="Iskoola Pota"/>
+        <a:font script="Mong" typeface="Mongolian Baiti"/>
+        <a:font script="Viet" typeface="Arial"/>
+        <a:font script="Uigh" typeface="Microsoft Uighur"/>
+        <a:font script="Geor" typeface="Sylfaen"/>
+        <a:font script="Armn" typeface="Arial"/>
+        <a:font script="Bugi" typeface="Leelawadee UI"/>
+        <a:font script="Bopo" typeface="Microsoft JhengHei"/>
+        <a:font script="Java" typeface="Javanese Text"/>
+        <a:font script="Lisu" typeface="Segoe UI"/>
+        <a:font script="Mymr" typeface="Myanmar Text"/>
+        <a:font script="Nkoo" typeface="Ebrima"/>
+        <a:font script="Olck" typeface="Nirmala UI"/>
+        <a:font script="Osma" typeface="Ebrima"/>
+        <a:font script="Phag" typeface="Phagspa"/>
+        <a:font script="Syrn" typeface="Estrangelo Edessa"/>
+        <a:font script="Syrj" typeface="Estrangelo Edessa"/>
+        <a:font script="Syre" typeface="Estrangelo Edessa"/>
+        <a:font script="Sora" typeface="Nirmala UI"/>
+        <a:font script="Tale" typeface="Microsoft Tai Le"/>
+        <a:font script="Talu" typeface="Microsoft New Tai Lue"/>
+        <a:font script="Tfng" typeface="Ebrima"/>
+      </a:minorFont>
+    </a:fontScheme>
+    <a:fmtScheme name="Office">
+      <a:fillStyleLst>
+        <a:solidFill>
+          <a:schemeClr val="phClr"/>
+        </a:solidFill>
+        <a:gradFill rotWithShape="1">
+          <a:gsLst>
+            <a:gs pos="0">
+              <a:schemeClr val="phClr">
+                <a:lumMod val="110000"/>
+                <a:satMod val="105000"/>
+                <a:tint val="67000"/>
+              </a:schemeClr>
+            </a:gs>
+            <a:gs pos="50000">
+              <a:schemeClr val="phClr">
+                <a:lumMod val="105000"/>
+                <a:satMod val="103000"/>
+                <a:tint val="73000"/>
+              </a:schemeClr>
+            </a:gs>
+            <a:gs pos="100000">
+              <a:schemeClr val="phClr">
+                <a:lumMod val="105000"/>
+                <a:satMod val="109000"/>
+                <a:tint val="81000"/>
+              </a:schemeClr>
+            </a:gs>
+          </a:gsLst>
+          <a:lin ang="5400000" scaled="0"/>
+        </a:gradFill>
+        <a:gradFill rotWithShape="1">
+          <a:gsLst>
+            <a:gs pos="0">
+              <a:schemeClr val="phClr">
+                <a:satMod val="103000"/>
+                <a:lumMod val="102000"/>
+                <a:tint val="94000"/>
+              </a:schemeClr>
+            </a:gs>
+            <a:gs pos="50000">
+              <a:schemeClr val="phClr">
+                <a:satMod val="110000"/>
+                <a:lumMod val="100000"/>
+                <a:shade val="100000"/>
+              </a:schemeClr>
+            </a:gs>
+            <a:gs pos="100000">
+              <a:schemeClr val="phClr">
+                <a:lumMod val="99000"/>
+                <a:satMod val="120000"/>
+                <a:shade val="78000"/>
+              </a:schemeClr>
+            </a:gs>
+          </a:gsLst>
+          <a:lin ang="5400000" scaled="0"/>
+        </a:gradFill>
+      </a:fillStyleLst>
+      <a:lnStyleLst>
+        <a:ln w="6350" cap="flat" cmpd="sng" algn="ctr">
+          <a:solidFill>
+            <a:schemeClr val="phClr"/>
+          </a:solidFill>
+          <a:prstDash val="solid"/>
+          <a:miter lim="800000"/>
+        </a:ln>
+        <a:ln w="12700" cap="flat" cmpd="sng" algn="ctr">
+          <a:solidFill>
+            <a:schemeClr val="phClr"/>
+          </a:solidFill>
+          <a:prstDash val="solid"/>
+          <a:miter lim="800000"/>
+        </a:ln>
+        <a:ln w="19050" cap="flat" cmpd="sng" algn="ctr">
+          <a:solidFill>
+            <a:schemeClr val="phClr"/>
+          </a:solidFill>
+          <a:prstDash val="solid"/>
+          <a:miter lim="800000"/>
+        </a:ln>
+      </a:lnStyleLst>
+      <a:effectStyleLst>
+        <a:effectStyle>
+          <a:effectLst/>
+        </a:effectStyle>
+        <a:effectStyle>
+          <a:effectLst/>
+        </a:effectStyle>
+        <a:effectStyle>
+          <a:effectLst>
+            <a:outerShdw blurRad="57150" dist="19050" dir="5400000" algn="ctr" rotWithShape="0">
+              <a:srgbClr val="000000">
+                <a:alpha val="63000"/>
+              </a:srgbClr>
+            </a:outerShdw>
+          </a:effectLst>
+        </a:effectStyle>
+      </a:effectStyleLst>
+      <a:bgFillStyleLst>
+        <a:solidFill>
+          <a:schemeClr val="phClr"/>
+        </a:solidFill>
+        <a:solidFill>
+          <a:schemeClr val="phClr">
+            <a:tint val="95000"/>
+            <a:satMod val="170000"/>
+          </a:schemeClr>
+        </a:solidFill>
+        <a:gradFill rotWithShape="1">
+          <a:gsLst>
+            <a:gs pos="0">
+              <a:schemeClr val="phClr">
+                <a:tint val="93000"/>
+                <a:satMod val="150000"/>
+                <a:shade val="98000"/>
+                <a:lumMod val="102000"/>
+              </a:schemeClr>
+            </a:gs>
+            <a:gs pos="50000">
+              <a:schemeClr val="phClr">
+                <a:tint val="98000"/>
+                <a:satMod val="130000"/>
+                <a:shade val="90000"/>
+                <a:lumMod val="103000"/>
+              </a:schemeClr>
+            </a:gs>
+            <a:gs pos="100000">
+              <a:schemeClr val="phClr">
+                <a:shade val="63000"/>
+                <a:satMod val="120000"/>
+              </a:schemeClr>
+            </a:gs>
+          </a:gsLst>
+          <a:lin ang="5400000" scaled="0"/>
+        </a:gradFill>
+      </a:bgFillStyleLst>
+    </a:fmtScheme>
+  </a:themeElements>
+  <a:objectDefaults/>
+  <a:extraClrSchemeLst/>
+  <a:extLst>
+    <a:ext uri="{05A4C25C-085E-4340-85A3-A5531E510DB2}">
+      <thm15:themeFamily xmlns:thm15="http://schemas.microsoft.com/office/thememl/2012/main" name="Office Theme" id="{62F939B6-93AF-4DB8-9C6B-D6C7DFDC589F}" vid="{4A3C46E8-61CC-4603-A589-7422A47A8E4A}"/>
+    </a:ext>
+  </a:extLst>
+</a:theme>
 </file>